--- a/AzureDSOverview/AzureDSOverview.pptx
+++ b/AzureDSOverview/AzureDSOverview.pptx
@@ -5,34 +5,35 @@
     <p:sldMasterId id="2147483648" r:id="rId1"/>
   </p:sldMasterIdLst>
   <p:notesMasterIdLst>
-    <p:notesMasterId r:id="rId27"/>
+    <p:notesMasterId r:id="rId28"/>
   </p:notesMasterIdLst>
   <p:sldIdLst>
     <p:sldId id="581" r:id="rId2"/>
-    <p:sldId id="575" r:id="rId3"/>
-    <p:sldId id="594" r:id="rId4"/>
-    <p:sldId id="583" r:id="rId5"/>
-    <p:sldId id="576" r:id="rId6"/>
-    <p:sldId id="591" r:id="rId7"/>
-    <p:sldId id="593" r:id="rId8"/>
-    <p:sldId id="571" r:id="rId9"/>
-    <p:sldId id="574" r:id="rId10"/>
-    <p:sldId id="584" r:id="rId11"/>
-    <p:sldId id="579" r:id="rId12"/>
-    <p:sldId id="566" r:id="rId13"/>
-    <p:sldId id="585" r:id="rId14"/>
-    <p:sldId id="586" r:id="rId15"/>
-    <p:sldId id="587" r:id="rId16"/>
-    <p:sldId id="588" r:id="rId17"/>
-    <p:sldId id="589" r:id="rId18"/>
-    <p:sldId id="572" r:id="rId19"/>
-    <p:sldId id="578" r:id="rId20"/>
-    <p:sldId id="569" r:id="rId21"/>
-    <p:sldId id="577" r:id="rId22"/>
-    <p:sldId id="592" r:id="rId23"/>
-    <p:sldId id="580" r:id="rId24"/>
-    <p:sldId id="573" r:id="rId25"/>
-    <p:sldId id="590" r:id="rId26"/>
+    <p:sldId id="315" r:id="rId3"/>
+    <p:sldId id="575" r:id="rId4"/>
+    <p:sldId id="594" r:id="rId5"/>
+    <p:sldId id="583" r:id="rId6"/>
+    <p:sldId id="576" r:id="rId7"/>
+    <p:sldId id="591" r:id="rId8"/>
+    <p:sldId id="593" r:id="rId9"/>
+    <p:sldId id="571" r:id="rId10"/>
+    <p:sldId id="574" r:id="rId11"/>
+    <p:sldId id="584" r:id="rId12"/>
+    <p:sldId id="579" r:id="rId13"/>
+    <p:sldId id="566" r:id="rId14"/>
+    <p:sldId id="585" r:id="rId15"/>
+    <p:sldId id="586" r:id="rId16"/>
+    <p:sldId id="587" r:id="rId17"/>
+    <p:sldId id="588" r:id="rId18"/>
+    <p:sldId id="589" r:id="rId19"/>
+    <p:sldId id="572" r:id="rId20"/>
+    <p:sldId id="578" r:id="rId21"/>
+    <p:sldId id="569" r:id="rId22"/>
+    <p:sldId id="577" r:id="rId23"/>
+    <p:sldId id="592" r:id="rId24"/>
+    <p:sldId id="580" r:id="rId25"/>
+    <p:sldId id="573" r:id="rId26"/>
+    <p:sldId id="590" r:id="rId27"/>
   </p:sldIdLst>
   <p:sldSz cx="12192000" cy="6858000"/>
   <p:notesSz cx="6858000" cy="9144000"/>
@@ -139,10 +140,6 @@
 </p:presentation>
 </file>
 
-<file path=ppt/revisionInfo.xml><?xml version="1.0" encoding="utf-8"?>
-<p1510:revInfo xmlns:a="http://schemas.openxmlformats.org/drawingml/2006/main" xmlns:r="http://schemas.openxmlformats.org/officeDocument/2006/relationships" xmlns:p1510="http://schemas.microsoft.com/office/powerpoint/2015/10/main"/>
-</file>
-
 <file path=ppt/notesMasters/notesMaster1.xml><?xml version="1.0" encoding="utf-8"?>
 <p:notesMaster xmlns:a="http://schemas.openxmlformats.org/drawingml/2006/main" xmlns:r="http://schemas.openxmlformats.org/officeDocument/2006/relationships" xmlns:p="http://schemas.openxmlformats.org/presentationml/2006/main">
   <p:cSld>
@@ -225,7 +222,7 @@
           <a:p>
             <a:fld id="{EA5437A5-9A1F-423F-AB35-0B6CC9C46E62}" type="datetimeFigureOut">
               <a:rPr lang="en-US" smtClean="0"/>
-              <a:t>2/15/2018</a:t>
+              <a:t>5/7/2018</a:t>
             </a:fld>
             <a:endParaRPr lang="en-US"/>
           </a:p>
@@ -639,14 +636,8 @@
           <a:bodyPr/>
           <a:lstStyle/>
           <a:p>
-            <a:pPr>
-              <a:defRPr/>
-            </a:pPr>
-            <a:fld id="{504728D5-99D5-4B27-8F03-9C83ED48E170}" type="slidenum">
+            <a:fld id="{F5D97377-8615-40E2-AA20-5EAD8051D528}" type="slidenum">
               <a:rPr lang="en-US" smtClean="0"/>
-              <a:pPr>
-                <a:defRPr/>
-              </a:pPr>
               <a:t>10</a:t>
             </a:fld>
             <a:endParaRPr lang="en-US"/>
@@ -656,7 +647,7 @@
     </p:spTree>
     <p:extLst>
       <p:ext uri="{BB962C8B-B14F-4D97-AF65-F5344CB8AC3E}">
-        <p14:creationId xmlns:p14="http://schemas.microsoft.com/office/powerpoint/2010/main" val="3550624342"/>
+        <p14:creationId xmlns:p14="http://schemas.microsoft.com/office/powerpoint/2010/main" val="1862927027"/>
       </p:ext>
     </p:extLst>
   </p:cSld>
@@ -729,8 +720,14 @@
           <a:bodyPr/>
           <a:lstStyle/>
           <a:p>
-            <a:fld id="{F5D97377-8615-40E2-AA20-5EAD8051D528}" type="slidenum">
+            <a:pPr>
+              <a:defRPr/>
+            </a:pPr>
+            <a:fld id="{504728D5-99D5-4B27-8F03-9C83ED48E170}" type="slidenum">
               <a:rPr lang="en-US" smtClean="0"/>
+              <a:pPr>
+                <a:defRPr/>
+              </a:pPr>
               <a:t>11</a:t>
             </a:fld>
             <a:endParaRPr lang="en-US"/>
@@ -740,7 +737,7 @@
     </p:spTree>
     <p:extLst>
       <p:ext uri="{BB962C8B-B14F-4D97-AF65-F5344CB8AC3E}">
-        <p14:creationId xmlns:p14="http://schemas.microsoft.com/office/powerpoint/2010/main" val="3071003790"/>
+        <p14:creationId xmlns:p14="http://schemas.microsoft.com/office/powerpoint/2010/main" val="3550624342"/>
       </p:ext>
     </p:extLst>
   </p:cSld>
@@ -813,14 +810,8 @@
           <a:bodyPr/>
           <a:lstStyle/>
           <a:p>
-            <a:pPr>
-              <a:defRPr/>
-            </a:pPr>
-            <a:fld id="{504728D5-99D5-4B27-8F03-9C83ED48E170}" type="slidenum">
+            <a:fld id="{F5D97377-8615-40E2-AA20-5EAD8051D528}" type="slidenum">
               <a:rPr lang="en-US" smtClean="0"/>
-              <a:pPr>
-                <a:defRPr/>
-              </a:pPr>
               <a:t>12</a:t>
             </a:fld>
             <a:endParaRPr lang="en-US"/>
@@ -830,7 +821,7 @@
     </p:spTree>
     <p:extLst>
       <p:ext uri="{BB962C8B-B14F-4D97-AF65-F5344CB8AC3E}">
-        <p14:creationId xmlns:p14="http://schemas.microsoft.com/office/powerpoint/2010/main" val="967938335"/>
+        <p14:creationId xmlns:p14="http://schemas.microsoft.com/office/powerpoint/2010/main" val="3071003790"/>
       </p:ext>
     </p:extLst>
   </p:cSld>
@@ -903,9 +894,99 @@
           <a:bodyPr/>
           <a:lstStyle/>
           <a:p>
+            <a:pPr>
+              <a:defRPr/>
+            </a:pPr>
+            <a:fld id="{504728D5-99D5-4B27-8F03-9C83ED48E170}" type="slidenum">
+              <a:rPr lang="en-US" smtClean="0"/>
+              <a:pPr>
+                <a:defRPr/>
+              </a:pPr>
+              <a:t>13</a:t>
+            </a:fld>
+            <a:endParaRPr lang="en-US"/>
+          </a:p>
+        </p:txBody>
+      </p:sp>
+    </p:spTree>
+    <p:extLst>
+      <p:ext uri="{BB962C8B-B14F-4D97-AF65-F5344CB8AC3E}">
+        <p14:creationId xmlns:p14="http://schemas.microsoft.com/office/powerpoint/2010/main" val="967938335"/>
+      </p:ext>
+    </p:extLst>
+  </p:cSld>
+  <p:clrMapOvr>
+    <a:masterClrMapping/>
+  </p:clrMapOvr>
+</p:notes>
+</file>
+
+<file path=ppt/notesSlides/notesSlide14.xml><?xml version="1.0" encoding="utf-8"?>
+<p:notes xmlns:a="http://schemas.openxmlformats.org/drawingml/2006/main" xmlns:r="http://schemas.openxmlformats.org/officeDocument/2006/relationships" xmlns:p="http://schemas.openxmlformats.org/presentationml/2006/main">
+  <p:cSld>
+    <p:spTree>
+      <p:nvGrpSpPr>
+        <p:cNvPr id="1" name=""/>
+        <p:cNvGrpSpPr/>
+        <p:nvPr/>
+      </p:nvGrpSpPr>
+      <p:grpSpPr>
+        <a:xfrm>
+          <a:off x="0" y="0"/>
+          <a:ext cx="0" cy="0"/>
+          <a:chOff x="0" y="0"/>
+          <a:chExt cx="0" cy="0"/>
+        </a:xfrm>
+      </p:grpSpPr>
+      <p:sp>
+        <p:nvSpPr>
+          <p:cNvPr id="2" name="Slide Image Placeholder 1"/>
+          <p:cNvSpPr>
+            <a:spLocks noGrp="1" noRot="1" noChangeAspect="1"/>
+          </p:cNvSpPr>
+          <p:nvPr>
+            <p:ph type="sldImg"/>
+          </p:nvPr>
+        </p:nvSpPr>
+        <p:spPr/>
+      </p:sp>
+      <p:sp>
+        <p:nvSpPr>
+          <p:cNvPr id="3" name="Notes Placeholder 2"/>
+          <p:cNvSpPr>
+            <a:spLocks noGrp="1"/>
+          </p:cNvSpPr>
+          <p:nvPr>
+            <p:ph type="body" idx="1"/>
+          </p:nvPr>
+        </p:nvSpPr>
+        <p:spPr/>
+        <p:txBody>
+          <a:bodyPr/>
+          <a:lstStyle/>
+          <a:p>
+            <a:endParaRPr lang="en-US"/>
+          </a:p>
+        </p:txBody>
+      </p:sp>
+      <p:sp>
+        <p:nvSpPr>
+          <p:cNvPr id="4" name="Slide Number Placeholder 3"/>
+          <p:cNvSpPr>
+            <a:spLocks noGrp="1"/>
+          </p:cNvSpPr>
+          <p:nvPr>
+            <p:ph type="sldNum" sz="quarter" idx="10"/>
+          </p:nvPr>
+        </p:nvSpPr>
+        <p:spPr/>
+        <p:txBody>
+          <a:bodyPr/>
+          <a:lstStyle/>
+          <a:p>
             <a:fld id="{F5D97377-8615-40E2-AA20-5EAD8051D528}" type="slidenum">
               <a:rPr lang="en-US" smtClean="0"/>
-              <a:t>13</a:t>
+              <a:t>14</a:t>
             </a:fld>
             <a:endParaRPr lang="en-US"/>
           </a:p>
@@ -924,7 +1005,7 @@
 </p:notes>
 </file>
 
-<file path=ppt/notesSlides/notesSlide14.xml><?xml version="1.0" encoding="utf-8"?>
+<file path=ppt/notesSlides/notesSlide15.xml><?xml version="1.0" encoding="utf-8"?>
 <p:notes xmlns:a="http://schemas.openxmlformats.org/drawingml/2006/main" xmlns:r="http://schemas.openxmlformats.org/officeDocument/2006/relationships" xmlns:p="http://schemas.openxmlformats.org/presentationml/2006/main">
   <p:cSld>
     <p:spTree>
@@ -1420,7 +1501,7 @@
                 <a:tabLst/>
                 <a:defRPr/>
               </a:pPr>
-              <a:t>14</a:t>
+              <a:t>15</a:t>
             </a:fld>
             <a:endParaRPr kumimoji="0" lang="en-US" sz="1200" b="0" i="0" u="none" strike="noStrike" kern="1200" cap="none" spc="0" normalizeH="0" baseline="0" noProof="0">
               <a:ln>
@@ -1443,90 +1524,6 @@
     <p:extLst>
       <p:ext uri="{BB962C8B-B14F-4D97-AF65-F5344CB8AC3E}">
         <p14:creationId xmlns:p14="http://schemas.microsoft.com/office/powerpoint/2010/main" val="4097895213"/>
-      </p:ext>
-    </p:extLst>
-  </p:cSld>
-  <p:clrMapOvr>
-    <a:masterClrMapping/>
-  </p:clrMapOvr>
-</p:notes>
-</file>
-
-<file path=ppt/notesSlides/notesSlide15.xml><?xml version="1.0" encoding="utf-8"?>
-<p:notes xmlns:a="http://schemas.openxmlformats.org/drawingml/2006/main" xmlns:r="http://schemas.openxmlformats.org/officeDocument/2006/relationships" xmlns:p="http://schemas.openxmlformats.org/presentationml/2006/main">
-  <p:cSld>
-    <p:spTree>
-      <p:nvGrpSpPr>
-        <p:cNvPr id="1" name=""/>
-        <p:cNvGrpSpPr/>
-        <p:nvPr/>
-      </p:nvGrpSpPr>
-      <p:grpSpPr>
-        <a:xfrm>
-          <a:off x="0" y="0"/>
-          <a:ext cx="0" cy="0"/>
-          <a:chOff x="0" y="0"/>
-          <a:chExt cx="0" cy="0"/>
-        </a:xfrm>
-      </p:grpSpPr>
-      <p:sp>
-        <p:nvSpPr>
-          <p:cNvPr id="2" name="Slide Image Placeholder 1"/>
-          <p:cNvSpPr>
-            <a:spLocks noGrp="1" noRot="1" noChangeAspect="1"/>
-          </p:cNvSpPr>
-          <p:nvPr>
-            <p:ph type="sldImg"/>
-          </p:nvPr>
-        </p:nvSpPr>
-        <p:spPr/>
-      </p:sp>
-      <p:sp>
-        <p:nvSpPr>
-          <p:cNvPr id="3" name="Notes Placeholder 2"/>
-          <p:cNvSpPr>
-            <a:spLocks noGrp="1"/>
-          </p:cNvSpPr>
-          <p:nvPr>
-            <p:ph type="body" idx="1"/>
-          </p:nvPr>
-        </p:nvSpPr>
-        <p:spPr/>
-        <p:txBody>
-          <a:bodyPr/>
-          <a:lstStyle/>
-          <a:p>
-            <a:endParaRPr lang="en-US"/>
-          </a:p>
-        </p:txBody>
-      </p:sp>
-      <p:sp>
-        <p:nvSpPr>
-          <p:cNvPr id="4" name="Slide Number Placeholder 3"/>
-          <p:cNvSpPr>
-            <a:spLocks noGrp="1"/>
-          </p:cNvSpPr>
-          <p:nvPr>
-            <p:ph type="sldNum" sz="quarter" idx="10"/>
-          </p:nvPr>
-        </p:nvSpPr>
-        <p:spPr/>
-        <p:txBody>
-          <a:bodyPr/>
-          <a:lstStyle/>
-          <a:p>
-            <a:fld id="{F5D97377-8615-40E2-AA20-5EAD8051D528}" type="slidenum">
-              <a:rPr lang="en-US" smtClean="0"/>
-              <a:t>15</a:t>
-            </a:fld>
-            <a:endParaRPr lang="en-US"/>
-          </a:p>
-        </p:txBody>
-      </p:sp>
-    </p:spTree>
-    <p:extLst>
-      <p:ext uri="{BB962C8B-B14F-4D97-AF65-F5344CB8AC3E}">
-        <p14:creationId xmlns:p14="http://schemas.microsoft.com/office/powerpoint/2010/main" val="855228674"/>
       </p:ext>
     </p:extLst>
   </p:cSld>
@@ -1610,7 +1607,7 @@
     </p:spTree>
     <p:extLst>
       <p:ext uri="{BB962C8B-B14F-4D97-AF65-F5344CB8AC3E}">
-        <p14:creationId xmlns:p14="http://schemas.microsoft.com/office/powerpoint/2010/main" val="3091324812"/>
+        <p14:creationId xmlns:p14="http://schemas.microsoft.com/office/powerpoint/2010/main" val="855228674"/>
       </p:ext>
     </p:extLst>
   </p:cSld>
@@ -1694,7 +1691,7 @@
     </p:spTree>
     <p:extLst>
       <p:ext uri="{BB962C8B-B14F-4D97-AF65-F5344CB8AC3E}">
-        <p14:creationId xmlns:p14="http://schemas.microsoft.com/office/powerpoint/2010/main" val="1707041200"/>
+        <p14:creationId xmlns:p14="http://schemas.microsoft.com/office/powerpoint/2010/main" val="3091324812"/>
       </p:ext>
     </p:extLst>
   </p:cSld>
@@ -1778,7 +1775,7 @@
     </p:spTree>
     <p:extLst>
       <p:ext uri="{BB962C8B-B14F-4D97-AF65-F5344CB8AC3E}">
-        <p14:creationId xmlns:p14="http://schemas.microsoft.com/office/powerpoint/2010/main" val="1564436566"/>
+        <p14:creationId xmlns:p14="http://schemas.microsoft.com/office/powerpoint/2010/main" val="1707041200"/>
       </p:ext>
     </p:extLst>
   </p:cSld>
@@ -1862,7 +1859,7 @@
     </p:spTree>
     <p:extLst>
       <p:ext uri="{BB962C8B-B14F-4D97-AF65-F5344CB8AC3E}">
-        <p14:creationId xmlns:p14="http://schemas.microsoft.com/office/powerpoint/2010/main" val="4282367485"/>
+        <p14:creationId xmlns:p14="http://schemas.microsoft.com/office/powerpoint/2010/main" val="1564436566"/>
       </p:ext>
     </p:extLst>
   </p:cSld>
@@ -1946,7 +1943,7 @@
     </p:spTree>
     <p:extLst>
       <p:ext uri="{BB962C8B-B14F-4D97-AF65-F5344CB8AC3E}">
-        <p14:creationId xmlns:p14="http://schemas.microsoft.com/office/powerpoint/2010/main" val="1776651550"/>
+        <p14:creationId xmlns:p14="http://schemas.microsoft.com/office/powerpoint/2010/main" val="3699591777"/>
       </p:ext>
     </p:extLst>
   </p:cSld>
@@ -2030,7 +2027,7 @@
     </p:spTree>
     <p:extLst>
       <p:ext uri="{BB962C8B-B14F-4D97-AF65-F5344CB8AC3E}">
-        <p14:creationId xmlns:p14="http://schemas.microsoft.com/office/powerpoint/2010/main" val="2086385879"/>
+        <p14:creationId xmlns:p14="http://schemas.microsoft.com/office/powerpoint/2010/main" val="4282367485"/>
       </p:ext>
     </p:extLst>
   </p:cSld>
@@ -2114,7 +2111,7 @@
     </p:spTree>
     <p:extLst>
       <p:ext uri="{BB962C8B-B14F-4D97-AF65-F5344CB8AC3E}">
-        <p14:creationId xmlns:p14="http://schemas.microsoft.com/office/powerpoint/2010/main" val="1235592602"/>
+        <p14:creationId xmlns:p14="http://schemas.microsoft.com/office/powerpoint/2010/main" val="2086385879"/>
       </p:ext>
     </p:extLst>
   </p:cSld>
@@ -2198,7 +2195,7 @@
     </p:spTree>
     <p:extLst>
       <p:ext uri="{BB962C8B-B14F-4D97-AF65-F5344CB8AC3E}">
-        <p14:creationId xmlns:p14="http://schemas.microsoft.com/office/powerpoint/2010/main" val="2819005300"/>
+        <p14:creationId xmlns:p14="http://schemas.microsoft.com/office/powerpoint/2010/main" val="1235592602"/>
       </p:ext>
     </p:extLst>
   </p:cSld>
@@ -2282,7 +2279,7 @@
     </p:spTree>
     <p:extLst>
       <p:ext uri="{BB962C8B-B14F-4D97-AF65-F5344CB8AC3E}">
-        <p14:creationId xmlns:p14="http://schemas.microsoft.com/office/powerpoint/2010/main" val="1336205328"/>
+        <p14:creationId xmlns:p14="http://schemas.microsoft.com/office/powerpoint/2010/main" val="2819005300"/>
       </p:ext>
     </p:extLst>
   </p:cSld>
@@ -2366,7 +2363,7 @@
     </p:spTree>
     <p:extLst>
       <p:ext uri="{BB962C8B-B14F-4D97-AF65-F5344CB8AC3E}">
-        <p14:creationId xmlns:p14="http://schemas.microsoft.com/office/powerpoint/2010/main" val="2092627322"/>
+        <p14:creationId xmlns:p14="http://schemas.microsoft.com/office/powerpoint/2010/main" val="1336205328"/>
       </p:ext>
     </p:extLst>
   </p:cSld>
@@ -2442,6 +2439,90 @@
             <a:fld id="{F5D97377-8615-40E2-AA20-5EAD8051D528}" type="slidenum">
               <a:rPr lang="en-US" smtClean="0"/>
               <a:t>25</a:t>
+            </a:fld>
+            <a:endParaRPr lang="en-US"/>
+          </a:p>
+        </p:txBody>
+      </p:sp>
+    </p:spTree>
+    <p:extLst>
+      <p:ext uri="{BB962C8B-B14F-4D97-AF65-F5344CB8AC3E}">
+        <p14:creationId xmlns:p14="http://schemas.microsoft.com/office/powerpoint/2010/main" val="2092627322"/>
+      </p:ext>
+    </p:extLst>
+  </p:cSld>
+  <p:clrMapOvr>
+    <a:masterClrMapping/>
+  </p:clrMapOvr>
+</p:notes>
+</file>
+
+<file path=ppt/notesSlides/notesSlide26.xml><?xml version="1.0" encoding="utf-8"?>
+<p:notes xmlns:a="http://schemas.openxmlformats.org/drawingml/2006/main" xmlns:r="http://schemas.openxmlformats.org/officeDocument/2006/relationships" xmlns:p="http://schemas.openxmlformats.org/presentationml/2006/main">
+  <p:cSld>
+    <p:spTree>
+      <p:nvGrpSpPr>
+        <p:cNvPr id="1" name=""/>
+        <p:cNvGrpSpPr/>
+        <p:nvPr/>
+      </p:nvGrpSpPr>
+      <p:grpSpPr>
+        <a:xfrm>
+          <a:off x="0" y="0"/>
+          <a:ext cx="0" cy="0"/>
+          <a:chOff x="0" y="0"/>
+          <a:chExt cx="0" cy="0"/>
+        </a:xfrm>
+      </p:grpSpPr>
+      <p:sp>
+        <p:nvSpPr>
+          <p:cNvPr id="2" name="Slide Image Placeholder 1"/>
+          <p:cNvSpPr>
+            <a:spLocks noGrp="1" noRot="1" noChangeAspect="1"/>
+          </p:cNvSpPr>
+          <p:nvPr>
+            <p:ph type="sldImg"/>
+          </p:nvPr>
+        </p:nvSpPr>
+        <p:spPr/>
+      </p:sp>
+      <p:sp>
+        <p:nvSpPr>
+          <p:cNvPr id="3" name="Notes Placeholder 2"/>
+          <p:cNvSpPr>
+            <a:spLocks noGrp="1"/>
+          </p:cNvSpPr>
+          <p:nvPr>
+            <p:ph type="body" idx="1"/>
+          </p:nvPr>
+        </p:nvSpPr>
+        <p:spPr/>
+        <p:txBody>
+          <a:bodyPr/>
+          <a:lstStyle/>
+          <a:p>
+            <a:endParaRPr lang="en-US"/>
+          </a:p>
+        </p:txBody>
+      </p:sp>
+      <p:sp>
+        <p:nvSpPr>
+          <p:cNvPr id="4" name="Slide Number Placeholder 3"/>
+          <p:cNvSpPr>
+            <a:spLocks noGrp="1"/>
+          </p:cNvSpPr>
+          <p:nvPr>
+            <p:ph type="sldNum" sz="quarter" idx="10"/>
+          </p:nvPr>
+        </p:nvSpPr>
+        <p:spPr/>
+        <p:txBody>
+          <a:bodyPr/>
+          <a:lstStyle/>
+          <a:p>
+            <a:fld id="{F5D97377-8615-40E2-AA20-5EAD8051D528}" type="slidenum">
+              <a:rPr lang="en-US" smtClean="0"/>
+              <a:t>26</a:t>
             </a:fld>
             <a:endParaRPr lang="en-US"/>
           </a:p>
@@ -2534,7 +2615,7 @@
     </p:spTree>
     <p:extLst>
       <p:ext uri="{BB962C8B-B14F-4D97-AF65-F5344CB8AC3E}">
-        <p14:creationId xmlns:p14="http://schemas.microsoft.com/office/powerpoint/2010/main" val="1619941196"/>
+        <p14:creationId xmlns:p14="http://schemas.microsoft.com/office/powerpoint/2010/main" val="1776651550"/>
       </p:ext>
     </p:extLst>
   </p:cSld>
@@ -2618,7 +2699,7 @@
     </p:spTree>
     <p:extLst>
       <p:ext uri="{BB962C8B-B14F-4D97-AF65-F5344CB8AC3E}">
-        <p14:creationId xmlns:p14="http://schemas.microsoft.com/office/powerpoint/2010/main" val="1919773719"/>
+        <p14:creationId xmlns:p14="http://schemas.microsoft.com/office/powerpoint/2010/main" val="1619941196"/>
       </p:ext>
     </p:extLst>
   </p:cSld>
@@ -2702,7 +2783,7 @@
     </p:spTree>
     <p:extLst>
       <p:ext uri="{BB962C8B-B14F-4D97-AF65-F5344CB8AC3E}">
-        <p14:creationId xmlns:p14="http://schemas.microsoft.com/office/powerpoint/2010/main" val="3154417295"/>
+        <p14:creationId xmlns:p14="http://schemas.microsoft.com/office/powerpoint/2010/main" val="1919773719"/>
       </p:ext>
     </p:extLst>
   </p:cSld>
@@ -2786,7 +2867,7 @@
     </p:spTree>
     <p:extLst>
       <p:ext uri="{BB962C8B-B14F-4D97-AF65-F5344CB8AC3E}">
-        <p14:creationId xmlns:p14="http://schemas.microsoft.com/office/powerpoint/2010/main" val="4143589950"/>
+        <p14:creationId xmlns:p14="http://schemas.microsoft.com/office/powerpoint/2010/main" val="3154417295"/>
       </p:ext>
     </p:extLst>
   </p:cSld>
@@ -2870,7 +2951,7 @@
     </p:spTree>
     <p:extLst>
       <p:ext uri="{BB962C8B-B14F-4D97-AF65-F5344CB8AC3E}">
-        <p14:creationId xmlns:p14="http://schemas.microsoft.com/office/powerpoint/2010/main" val="561976446"/>
+        <p14:creationId xmlns:p14="http://schemas.microsoft.com/office/powerpoint/2010/main" val="4143589950"/>
       </p:ext>
     </p:extLst>
   </p:cSld>
@@ -2954,7 +3035,7 @@
     </p:spTree>
     <p:extLst>
       <p:ext uri="{BB962C8B-B14F-4D97-AF65-F5344CB8AC3E}">
-        <p14:creationId xmlns:p14="http://schemas.microsoft.com/office/powerpoint/2010/main" val="702403020"/>
+        <p14:creationId xmlns:p14="http://schemas.microsoft.com/office/powerpoint/2010/main" val="561976446"/>
       </p:ext>
     </p:extLst>
   </p:cSld>
@@ -3038,7 +3119,7 @@
     </p:spTree>
     <p:extLst>
       <p:ext uri="{BB962C8B-B14F-4D97-AF65-F5344CB8AC3E}">
-        <p14:creationId xmlns:p14="http://schemas.microsoft.com/office/powerpoint/2010/main" val="1862927027"/>
+        <p14:creationId xmlns:p14="http://schemas.microsoft.com/office/powerpoint/2010/main" val="702403020"/>
       </p:ext>
     </p:extLst>
   </p:cSld>
@@ -10108,6 +10189,110 @@
 </file>
 
 <file path=ppt/slides/slide10.xml><?xml version="1.0" encoding="utf-8"?>
+<p:sld xmlns:a="http://schemas.openxmlformats.org/drawingml/2006/main" xmlns:r="http://schemas.openxmlformats.org/officeDocument/2006/relationships" xmlns:p="http://schemas.openxmlformats.org/presentationml/2006/main" show="0">
+  <p:cSld>
+    <p:spTree>
+      <p:nvGrpSpPr>
+        <p:cNvPr id="1" name=""/>
+        <p:cNvGrpSpPr/>
+        <p:nvPr/>
+      </p:nvGrpSpPr>
+      <p:grpSpPr>
+        <a:xfrm>
+          <a:off x="0" y="0"/>
+          <a:ext cx="0" cy="0"/>
+          <a:chOff x="0" y="0"/>
+          <a:chExt cx="0" cy="0"/>
+        </a:xfrm>
+      </p:grpSpPr>
+      <p:sp>
+        <p:nvSpPr>
+          <p:cNvPr id="2" name="Title 1"/>
+          <p:cNvSpPr>
+            <a:spLocks noGrp="1"/>
+          </p:cNvSpPr>
+          <p:nvPr>
+            <p:ph type="ctrTitle" idx="4294967295"/>
+          </p:nvPr>
+        </p:nvSpPr>
+        <p:spPr>
+          <a:xfrm>
+            <a:off x="0" y="173315"/>
+            <a:ext cx="10789920" cy="489416"/>
+          </a:xfrm>
+        </p:spPr>
+        <p:txBody>
+          <a:bodyPr/>
+          <a:lstStyle/>
+          <a:p>
+            <a:r>
+              <a:rPr lang="en-US" sz="3600" dirty="0"/>
+              <a:t>SQL Server/Machine Learning Integration</a:t>
+            </a:r>
+          </a:p>
+        </p:txBody>
+      </p:sp>
+      <p:pic>
+        <p:nvPicPr>
+          <p:cNvPr id="2050" name="Picture 2" descr="Image result for sql server 2017">
+            <a:extLst>
+              <a:ext uri="{FF2B5EF4-FFF2-40B4-BE49-F238E27FC236}">
+                <a16:creationId xmlns:a16="http://schemas.microsoft.com/office/drawing/2014/main" id="{C1DCE343-52B6-44A9-BE34-032A6998670A}"/>
+              </a:ext>
+            </a:extLst>
+          </p:cNvPr>
+          <p:cNvPicPr>
+            <a:picLocks noChangeAspect="1" noChangeArrowheads="1"/>
+          </p:cNvPicPr>
+          <p:nvPr/>
+        </p:nvPicPr>
+        <p:blipFill>
+          <a:blip r:embed="rId3">
+            <a:extLst>
+              <a:ext uri="{28A0092B-C50C-407E-A947-70E740481C1C}">
+                <a14:useLocalDpi xmlns:a14="http://schemas.microsoft.com/office/drawing/2010/main" val="0"/>
+              </a:ext>
+            </a:extLst>
+          </a:blip>
+          <a:srcRect/>
+          <a:stretch>
+            <a:fillRect/>
+          </a:stretch>
+        </p:blipFill>
+        <p:spPr bwMode="auto">
+          <a:xfrm>
+            <a:off x="2199005" y="1727200"/>
+            <a:ext cx="7535358" cy="4239895"/>
+          </a:xfrm>
+          <a:prstGeom prst="rect">
+            <a:avLst/>
+          </a:prstGeom>
+          <a:noFill/>
+          <a:extLst>
+            <a:ext uri="{909E8E84-426E-40DD-AFC4-6F175D3DCCD1}">
+              <a14:hiddenFill xmlns:a14="http://schemas.microsoft.com/office/drawing/2010/main">
+                <a:solidFill>
+                  <a:srgbClr val="FFFFFF"/>
+                </a:solidFill>
+              </a14:hiddenFill>
+            </a:ext>
+          </a:extLst>
+        </p:spPr>
+      </p:pic>
+    </p:spTree>
+    <p:extLst>
+      <p:ext uri="{BB962C8B-B14F-4D97-AF65-F5344CB8AC3E}">
+        <p14:creationId xmlns:p14="http://schemas.microsoft.com/office/powerpoint/2010/main" val="1123677463"/>
+      </p:ext>
+    </p:extLst>
+  </p:cSld>
+  <p:clrMapOvr>
+    <a:masterClrMapping/>
+  </p:clrMapOvr>
+</p:sld>
+</file>
+
+<file path=ppt/slides/slide11.xml><?xml version="1.0" encoding="utf-8"?>
 <p:sld xmlns:a="http://schemas.openxmlformats.org/drawingml/2006/main" xmlns:r="http://schemas.openxmlformats.org/officeDocument/2006/relationships" xmlns:p="http://schemas.openxmlformats.org/presentationml/2006/main">
   <p:cSld>
     <p:spTree>
@@ -10257,7 +10442,7 @@
         <p:spPr>
           <a:xfrm>
             <a:off x="141923" y="778320"/>
-            <a:ext cx="3115084" cy="1717952"/>
+            <a:ext cx="4109294" cy="1614604"/>
           </a:xfrm>
           <a:prstGeom prst="roundRect">
             <a:avLst/>
@@ -12080,8 +12265,8 @@
         </p:nvSpPr>
         <p:spPr>
           <a:xfrm>
-            <a:off x="10738246" y="3083542"/>
-            <a:ext cx="764953" cy="461665"/>
+            <a:off x="10636455" y="3083542"/>
+            <a:ext cx="968535" cy="276999"/>
           </a:xfrm>
           <a:prstGeom prst="rect">
             <a:avLst/>
@@ -12101,18 +12286,7 @@
                   <a:schemeClr val="bg1"/>
                 </a:solidFill>
               </a:rPr>
-              <a:t>Private </a:t>
-            </a:r>
-          </a:p>
-          <a:p>
-            <a:pPr algn="ctr"/>
-            <a:r>
-              <a:rPr lang="en-US" sz="1200" dirty="0">
-                <a:solidFill>
-                  <a:schemeClr val="bg1"/>
-                </a:solidFill>
-              </a:rPr>
-              <a:t>Preview</a:t>
+              <a:t>GA 3/2018</a:t>
             </a:r>
           </a:p>
         </p:txBody>
@@ -12346,6 +12520,120 @@
           </a:fontRef>
         </p:style>
       </p:cxnSp>
+      <p:pic>
+        <p:nvPicPr>
+          <p:cNvPr id="8" name="Picture 7">
+            <a:extLst>
+              <a:ext uri="{FF2B5EF4-FFF2-40B4-BE49-F238E27FC236}">
+                <a16:creationId xmlns:a16="http://schemas.microsoft.com/office/drawing/2014/main" id="{DDB92F90-7A94-4921-B5DE-1FEB6F9B57D3}"/>
+              </a:ext>
+            </a:extLst>
+          </p:cNvPr>
+          <p:cNvPicPr>
+            <a:picLocks noChangeAspect="1"/>
+          </p:cNvPicPr>
+          <p:nvPr/>
+        </p:nvPicPr>
+        <p:blipFill>
+          <a:blip r:embed="rId19"/>
+          <a:stretch>
+            <a:fillRect/>
+          </a:stretch>
+        </p:blipFill>
+        <p:spPr>
+          <a:xfrm>
+            <a:off x="3260341" y="1201167"/>
+            <a:ext cx="793069" cy="696745"/>
+          </a:xfrm>
+          <a:prstGeom prst="rect">
+            <a:avLst/>
+          </a:prstGeom>
+          <a:solidFill>
+            <a:schemeClr val="bg1"/>
+          </a:solidFill>
+        </p:spPr>
+      </p:pic>
+      <p:cxnSp>
+        <p:nvCxnSpPr>
+          <p:cNvPr id="11" name="Straight Arrow Connector 10">
+            <a:extLst>
+              <a:ext uri="{FF2B5EF4-FFF2-40B4-BE49-F238E27FC236}">
+                <a16:creationId xmlns:a16="http://schemas.microsoft.com/office/drawing/2014/main" id="{533A9289-7B5A-4D1F-AAE3-B37DB76CA1D5}"/>
+              </a:ext>
+            </a:extLst>
+          </p:cNvPr>
+          <p:cNvCxnSpPr/>
+          <p:nvPr/>
+        </p:nvCxnSpPr>
+        <p:spPr>
+          <a:xfrm flipH="1">
+            <a:off x="2876809" y="2012954"/>
+            <a:ext cx="824331" cy="1375352"/>
+          </a:xfrm>
+          <a:prstGeom prst="straightConnector1">
+            <a:avLst/>
+          </a:prstGeom>
+          <a:ln>
+            <a:solidFill>
+              <a:schemeClr val="bg1"/>
+            </a:solidFill>
+            <a:tailEnd type="triangle"/>
+          </a:ln>
+        </p:spPr>
+        <p:style>
+          <a:lnRef idx="1">
+            <a:schemeClr val="accent1"/>
+          </a:lnRef>
+          <a:fillRef idx="0">
+            <a:schemeClr val="accent1"/>
+          </a:fillRef>
+          <a:effectRef idx="0">
+            <a:schemeClr val="accent1"/>
+          </a:effectRef>
+          <a:fontRef idx="minor">
+            <a:schemeClr val="tx1"/>
+          </a:fontRef>
+        </p:style>
+      </p:cxnSp>
+      <p:sp>
+        <p:nvSpPr>
+          <p:cNvPr id="12" name="TextBox 11">
+            <a:extLst>
+              <a:ext uri="{FF2B5EF4-FFF2-40B4-BE49-F238E27FC236}">
+                <a16:creationId xmlns:a16="http://schemas.microsoft.com/office/drawing/2014/main" id="{8B0364F1-0CA4-4561-8D79-E3F30D406365}"/>
+              </a:ext>
+            </a:extLst>
+          </p:cNvPr>
+          <p:cNvSpPr txBox="1"/>
+          <p:nvPr/>
+        </p:nvSpPr>
+        <p:spPr>
+          <a:xfrm>
+            <a:off x="4690444" y="4542208"/>
+            <a:ext cx="1763624" cy="230832"/>
+          </a:xfrm>
+          <a:prstGeom prst="rect">
+            <a:avLst/>
+          </a:prstGeom>
+          <a:noFill/>
+        </p:spPr>
+        <p:txBody>
+          <a:bodyPr wrap="none" rtlCol="0">
+            <a:spAutoFit/>
+          </a:bodyPr>
+          <a:lstStyle/>
+          <a:p>
+            <a:r>
+              <a:rPr lang="en-US" sz="900" dirty="0">
+                <a:solidFill>
+                  <a:schemeClr val="bg1"/>
+                </a:solidFill>
+              </a:rPr>
+              <a:t>Massively Parallel Processing</a:t>
+            </a:r>
+          </a:p>
+        </p:txBody>
+      </p:sp>
     </p:spTree>
     <p:extLst>
       <p:ext uri="{BB962C8B-B14F-4D97-AF65-F5344CB8AC3E}">
@@ -12359,7 +12647,7 @@
 </p:sld>
 </file>
 
-<file path=ppt/slides/slide11.xml><?xml version="1.0" encoding="utf-8"?>
+<file path=ppt/slides/slide12.xml><?xml version="1.0" encoding="utf-8"?>
 <p:sld xmlns:a="http://schemas.openxmlformats.org/drawingml/2006/main" xmlns:r="http://schemas.openxmlformats.org/officeDocument/2006/relationships" xmlns:p="http://schemas.openxmlformats.org/presentationml/2006/main">
   <p:cSld>
     <p:spTree>
@@ -12451,8 +12739,8 @@
 </p:sld>
 </file>
 
-<file path=ppt/slides/slide12.xml><?xml version="1.0" encoding="utf-8"?>
-<p:sld xmlns:a="http://schemas.openxmlformats.org/drawingml/2006/main" xmlns:r="http://schemas.openxmlformats.org/officeDocument/2006/relationships" xmlns:p="http://schemas.openxmlformats.org/presentationml/2006/main">
+<file path=ppt/slides/slide13.xml><?xml version="1.0" encoding="utf-8"?>
+<p:sld xmlns:a="http://schemas.openxmlformats.org/drawingml/2006/main" xmlns:r="http://schemas.openxmlformats.org/officeDocument/2006/relationships" xmlns:p="http://schemas.openxmlformats.org/presentationml/2006/main" show="0">
   <p:cSld>
     <p:spTree>
       <p:nvGrpSpPr>
@@ -13946,7 +14234,7 @@
 </p:sld>
 </file>
 
-<file path=ppt/slides/slide13.xml><?xml version="1.0" encoding="utf-8"?>
+<file path=ppt/slides/slide14.xml><?xml version="1.0" encoding="utf-8"?>
 <p:sld xmlns:a="http://schemas.openxmlformats.org/drawingml/2006/main" xmlns:r="http://schemas.openxmlformats.org/officeDocument/2006/relationships" xmlns:p="http://schemas.openxmlformats.org/presentationml/2006/main">
   <p:cSld>
     <p:spTree>
@@ -14038,7 +14326,7 @@
 </p:sld>
 </file>
 
-<file path=ppt/slides/slide14.xml><?xml version="1.0" encoding="utf-8"?>
+<file path=ppt/slides/slide15.xml><?xml version="1.0" encoding="utf-8"?>
 <p:sld xmlns:a="http://schemas.openxmlformats.org/drawingml/2006/main" xmlns:r="http://schemas.openxmlformats.org/officeDocument/2006/relationships" xmlns:p="http://schemas.openxmlformats.org/presentationml/2006/main">
   <p:cSld>
     <p:spTree>
@@ -47951,7 +48239,7 @@
 </p:sld>
 </file>
 
-<file path=ppt/slides/slide15.xml><?xml version="1.0" encoding="utf-8"?>
+<file path=ppt/slides/slide16.xml><?xml version="1.0" encoding="utf-8"?>
 <p:sld xmlns:a="http://schemas.openxmlformats.org/drawingml/2006/main" xmlns:r="http://schemas.openxmlformats.org/officeDocument/2006/relationships" xmlns:p="http://schemas.openxmlformats.org/presentationml/2006/main">
   <p:cSld>
     <p:spTree>
@@ -48061,7 +48349,7 @@
 </p:sld>
 </file>
 
-<file path=ppt/slides/slide16.xml><?xml version="1.0" encoding="utf-8"?>
+<file path=ppt/slides/slide17.xml><?xml version="1.0" encoding="utf-8"?>
 <p:sld xmlns:a="http://schemas.openxmlformats.org/drawingml/2006/main" xmlns:r="http://schemas.openxmlformats.org/officeDocument/2006/relationships" xmlns:p="http://schemas.openxmlformats.org/presentationml/2006/main">
   <p:cSld>
     <p:spTree>
@@ -48454,7 +48742,7 @@
 </p:sld>
 </file>
 
-<file path=ppt/slides/slide17.xml><?xml version="1.0" encoding="utf-8"?>
+<file path=ppt/slides/slide18.xml><?xml version="1.0" encoding="utf-8"?>
 <p:sld xmlns:a="http://schemas.openxmlformats.org/drawingml/2006/main" xmlns:r="http://schemas.openxmlformats.org/officeDocument/2006/relationships" xmlns:p="http://schemas.openxmlformats.org/presentationml/2006/main">
   <p:cSld>
     <p:spTree>
@@ -48611,7 +48899,7 @@
 </p:sld>
 </file>
 
-<file path=ppt/slides/slide18.xml><?xml version="1.0" encoding="utf-8"?>
+<file path=ppt/slides/slide19.xml><?xml version="1.0" encoding="utf-8"?>
 <p:sld xmlns:a="http://schemas.openxmlformats.org/drawingml/2006/main" xmlns:r="http://schemas.openxmlformats.org/officeDocument/2006/relationships" xmlns:p="http://schemas.openxmlformats.org/presentationml/2006/main">
   <p:cSld>
     <p:spTree>
@@ -48702,7 +48990,482 @@
 </p:sld>
 </file>
 
-<file path=ppt/slides/slide19.xml><?xml version="1.0" encoding="utf-8"?>
+<file path=ppt/slides/slide2.xml><?xml version="1.0" encoding="utf-8"?>
+<p:sld xmlns:a="http://schemas.openxmlformats.org/drawingml/2006/main" xmlns:r="http://schemas.openxmlformats.org/officeDocument/2006/relationships" xmlns:p="http://schemas.openxmlformats.org/presentationml/2006/main">
+  <p:cSld>
+    <p:spTree>
+      <p:nvGrpSpPr>
+        <p:cNvPr id="1" name=""/>
+        <p:cNvGrpSpPr/>
+        <p:nvPr/>
+      </p:nvGrpSpPr>
+      <p:grpSpPr>
+        <a:xfrm>
+          <a:off x="0" y="0"/>
+          <a:ext cx="0" cy="0"/>
+          <a:chOff x="0" y="0"/>
+          <a:chExt cx="0" cy="0"/>
+        </a:xfrm>
+      </p:grpSpPr>
+      <p:sp>
+        <p:nvSpPr>
+          <p:cNvPr id="2" name="Title 1"/>
+          <p:cNvSpPr>
+            <a:spLocks noGrp="1"/>
+          </p:cNvSpPr>
+          <p:nvPr>
+            <p:ph type="title"/>
+          </p:nvPr>
+        </p:nvSpPr>
+        <p:spPr>
+          <a:xfrm>
+            <a:off x="0" y="157640"/>
+            <a:ext cx="8825657" cy="644697"/>
+          </a:xfrm>
+        </p:spPr>
+        <p:txBody>
+          <a:bodyPr/>
+          <a:lstStyle/>
+          <a:p>
+            <a:r>
+              <a:rPr lang="en-US" sz="3200" dirty="0"/>
+              <a:t>About Bryan Cafferky…</a:t>
+            </a:r>
+          </a:p>
+        </p:txBody>
+      </p:sp>
+      <p:sp>
+        <p:nvSpPr>
+          <p:cNvPr id="6" name="Rectangle 5"/>
+          <p:cNvSpPr/>
+          <p:nvPr/>
+        </p:nvSpPr>
+        <p:spPr>
+          <a:xfrm>
+            <a:off x="49671" y="5576580"/>
+            <a:ext cx="4853820" cy="1384995"/>
+          </a:xfrm>
+          <a:prstGeom prst="rect">
+            <a:avLst/>
+          </a:prstGeom>
+        </p:spPr>
+        <p:txBody>
+          <a:bodyPr wrap="square">
+            <a:spAutoFit/>
+          </a:bodyPr>
+          <a:lstStyle/>
+          <a:p>
+            <a:r>
+              <a:rPr lang="en-US" sz="1200" dirty="0">
+                <a:solidFill>
+                  <a:schemeClr val="bg1"/>
+                </a:solidFill>
+              </a:rPr>
+              <a:t>Bryan.Cafferky@Microsoft.com</a:t>
+            </a:r>
+          </a:p>
+          <a:p>
+            <a:endParaRPr lang="en-US" sz="1200" dirty="0"/>
+          </a:p>
+          <a:p>
+            <a:r>
+              <a:rPr lang="en-US" sz="1200" dirty="0">
+                <a:hlinkClick r:id="rId3"/>
+              </a:rPr>
+              <a:t>https://github.com/bcafferky/shared</a:t>
+            </a:r>
+            <a:endParaRPr lang="en-US" sz="1200" dirty="0"/>
+          </a:p>
+          <a:p>
+            <a:endParaRPr lang="en-US" sz="1200" dirty="0"/>
+          </a:p>
+          <a:p>
+            <a:r>
+              <a:rPr lang="en-US" sz="1200" u="sng" dirty="0">
+                <a:solidFill>
+                  <a:schemeClr val="accent4">
+                    <a:lumMod val="20000"/>
+                    <a:lumOff val="80000"/>
+                  </a:schemeClr>
+                </a:solidFill>
+                <a:hlinkClick r:id="rId4"/>
+              </a:rPr>
+              <a:t>https://www.linkedin.com/in/bryancafferky</a:t>
+            </a:r>
+            <a:endParaRPr lang="en-US" sz="1200" u="sng" dirty="0">
+              <a:solidFill>
+                <a:schemeClr val="accent4">
+                  <a:lumMod val="20000"/>
+                  <a:lumOff val="80000"/>
+                </a:schemeClr>
+              </a:solidFill>
+            </a:endParaRPr>
+          </a:p>
+          <a:p>
+            <a:endParaRPr lang="en-US" sz="1200" u="sng" dirty="0">
+              <a:solidFill>
+                <a:schemeClr val="accent4">
+                  <a:lumMod val="20000"/>
+                  <a:lumOff val="80000"/>
+                </a:schemeClr>
+              </a:solidFill>
+            </a:endParaRPr>
+          </a:p>
+          <a:p>
+            <a:r>
+              <a:rPr lang="en-US" sz="1200" dirty="0">
+                <a:solidFill>
+                  <a:schemeClr val="accent4">
+                    <a:lumMod val="20000"/>
+                    <a:lumOff val="80000"/>
+                  </a:schemeClr>
+                </a:solidFill>
+              </a:rPr>
+              <a:t>@BryanCafferky – follow me!</a:t>
+            </a:r>
+          </a:p>
+        </p:txBody>
+      </p:sp>
+      <p:sp>
+        <p:nvSpPr>
+          <p:cNvPr id="4" name="TextBox 3"/>
+          <p:cNvSpPr txBox="1"/>
+          <p:nvPr/>
+        </p:nvSpPr>
+        <p:spPr>
+          <a:xfrm>
+            <a:off x="401337" y="1099975"/>
+            <a:ext cx="11701665" cy="3785652"/>
+          </a:xfrm>
+          <a:prstGeom prst="rect">
+            <a:avLst/>
+          </a:prstGeom>
+          <a:noFill/>
+        </p:spPr>
+        <p:txBody>
+          <a:bodyPr wrap="none" rtlCol="0">
+            <a:spAutoFit/>
+          </a:bodyPr>
+          <a:lstStyle/>
+          <a:p>
+            <a:pPr marL="285750" indent="-285750">
+              <a:buFont typeface="Arial" panose="020B0604020202020204" pitchFamily="34" charset="0"/>
+              <a:buChar char="•"/>
+            </a:pPr>
+            <a:r>
+              <a:rPr lang="en-US" sz="2000" dirty="0">
+                <a:solidFill>
+                  <a:schemeClr val="bg1"/>
+                </a:solidFill>
+                <a:latin typeface="Arial Narrow" panose="020B0606020202030204" pitchFamily="34" charset="0"/>
+              </a:rPr>
+              <a:t>Data Solutions Enabler (TSP) </a:t>
+            </a:r>
+          </a:p>
+          <a:p>
+            <a:endParaRPr lang="en-US" sz="2000" dirty="0">
+              <a:solidFill>
+                <a:schemeClr val="bg1"/>
+              </a:solidFill>
+              <a:latin typeface="Arial Narrow" panose="020B0606020202030204" pitchFamily="34" charset="0"/>
+            </a:endParaRPr>
+          </a:p>
+          <a:p>
+            <a:pPr marL="285750" indent="-285750">
+              <a:buFont typeface="Arial" panose="020B0604020202020204" pitchFamily="34" charset="0"/>
+              <a:buChar char="•"/>
+            </a:pPr>
+            <a:r>
+              <a:rPr lang="en-US" sz="2000" dirty="0">
+                <a:solidFill>
+                  <a:schemeClr val="bg1"/>
+                </a:solidFill>
+                <a:latin typeface="Arial Narrow" panose="020B0606020202030204" pitchFamily="34" charset="0"/>
+              </a:rPr>
+              <a:t>Decades of IT Experience in health care, insurance, banking, and ecommerce.</a:t>
+            </a:r>
+          </a:p>
+          <a:p>
+            <a:pPr marL="285750" indent="-285750">
+              <a:buFont typeface="Arial" panose="020B0604020202020204" pitchFamily="34" charset="0"/>
+              <a:buChar char="•"/>
+            </a:pPr>
+            <a:endParaRPr lang="en-US" sz="2000" dirty="0">
+              <a:solidFill>
+                <a:schemeClr val="bg1"/>
+              </a:solidFill>
+              <a:latin typeface="Arial Narrow" panose="020B0606020202030204" pitchFamily="34" charset="0"/>
+            </a:endParaRPr>
+          </a:p>
+          <a:p>
+            <a:pPr marL="285750" indent="-285750">
+              <a:buFont typeface="Arial" panose="020B0604020202020204" pitchFamily="34" charset="0"/>
+              <a:buChar char="•"/>
+            </a:pPr>
+            <a:r>
+              <a:rPr lang="en-US" sz="2000" dirty="0">
+                <a:solidFill>
+                  <a:schemeClr val="bg1"/>
+                </a:solidFill>
+                <a:latin typeface="Arial Narrow" panose="020B0606020202030204" pitchFamily="34" charset="0"/>
+              </a:rPr>
+              <a:t>Microsoft MVP.</a:t>
+            </a:r>
+          </a:p>
+          <a:p>
+            <a:pPr marL="285750" indent="-285750">
+              <a:buFont typeface="Arial" panose="020B0604020202020204" pitchFamily="34" charset="0"/>
+              <a:buChar char="•"/>
+            </a:pPr>
+            <a:endParaRPr lang="en-US" sz="2000" dirty="0">
+              <a:solidFill>
+                <a:schemeClr val="bg1"/>
+              </a:solidFill>
+              <a:latin typeface="Arial Narrow" panose="020B0606020202030204" pitchFamily="34" charset="0"/>
+            </a:endParaRPr>
+          </a:p>
+          <a:p>
+            <a:pPr marL="285750" indent="-285750">
+              <a:buFont typeface="Arial" panose="020B0604020202020204" pitchFamily="34" charset="0"/>
+              <a:buChar char="•"/>
+            </a:pPr>
+            <a:r>
+              <a:rPr lang="en-US" sz="2000" dirty="0">
+                <a:solidFill>
+                  <a:schemeClr val="bg1"/>
+                </a:solidFill>
+                <a:latin typeface="Arial Narrow" panose="020B0606020202030204" pitchFamily="34" charset="0"/>
+              </a:rPr>
+              <a:t>Author of Pro PowerShell for Database Developers.</a:t>
+            </a:r>
+          </a:p>
+          <a:p>
+            <a:pPr marL="285750" indent="-285750">
+              <a:buFont typeface="Arial" panose="020B0604020202020204" pitchFamily="34" charset="0"/>
+              <a:buChar char="•"/>
+            </a:pPr>
+            <a:endParaRPr lang="en-US" sz="2000" dirty="0">
+              <a:solidFill>
+                <a:schemeClr val="bg1"/>
+              </a:solidFill>
+              <a:latin typeface="Arial Narrow" panose="020B0606020202030204" pitchFamily="34" charset="0"/>
+            </a:endParaRPr>
+          </a:p>
+          <a:p>
+            <a:pPr marL="285750" indent="-285750">
+              <a:buFont typeface="Arial" panose="020B0604020202020204" pitchFamily="34" charset="0"/>
+              <a:buChar char="•"/>
+            </a:pPr>
+            <a:r>
+              <a:rPr lang="en-US" sz="2000" dirty="0">
+                <a:solidFill>
+                  <a:schemeClr val="bg1"/>
+                </a:solidFill>
+                <a:latin typeface="Arial Narrow" panose="020B0606020202030204" pitchFamily="34" charset="0"/>
+              </a:rPr>
+              <a:t>Founded and lead PASS Chapter The RI Microsoft BI User Group and The Greater Boston Machine </a:t>
+            </a:r>
+            <a:r>
+              <a:rPr lang="en-US" sz="2000" dirty="0" err="1">
+                <a:solidFill>
+                  <a:schemeClr val="bg1"/>
+                </a:solidFill>
+                <a:latin typeface="Arial Narrow" panose="020B0606020202030204" pitchFamily="34" charset="0"/>
+              </a:rPr>
+              <a:t>Learninf</a:t>
+            </a:r>
+            <a:r>
+              <a:rPr lang="en-US" sz="2000" dirty="0">
+                <a:solidFill>
+                  <a:schemeClr val="bg1"/>
+                </a:solidFill>
+                <a:latin typeface="Arial Narrow" panose="020B0606020202030204" pitchFamily="34" charset="0"/>
+              </a:rPr>
+              <a:t> &amp; AI Group.</a:t>
+            </a:r>
+          </a:p>
+          <a:p>
+            <a:pPr marL="285750" indent="-285750">
+              <a:buFont typeface="Arial" panose="020B0604020202020204" pitchFamily="34" charset="0"/>
+              <a:buChar char="•"/>
+            </a:pPr>
+            <a:endParaRPr lang="en-US" sz="2000" dirty="0">
+              <a:solidFill>
+                <a:schemeClr val="bg1"/>
+              </a:solidFill>
+              <a:latin typeface="Arial Narrow" panose="020B0606020202030204" pitchFamily="34" charset="0"/>
+            </a:endParaRPr>
+          </a:p>
+          <a:p>
+            <a:pPr marL="285750" indent="-285750">
+              <a:buFont typeface="Arial" panose="020B0604020202020204" pitchFamily="34" charset="0"/>
+              <a:buChar char="•"/>
+            </a:pPr>
+            <a:r>
+              <a:rPr lang="en-US" sz="2000" dirty="0">
+                <a:solidFill>
+                  <a:schemeClr val="bg1"/>
+                </a:solidFill>
+                <a:latin typeface="Arial Narrow" panose="020B0606020202030204" pitchFamily="34" charset="0"/>
+              </a:rPr>
+              <a:t>Frequent presenter at technical conferences and user groups.</a:t>
+            </a:r>
+          </a:p>
+          <a:p>
+            <a:endParaRPr lang="en-US" sz="2000" dirty="0">
+              <a:solidFill>
+                <a:schemeClr val="bg1"/>
+              </a:solidFill>
+              <a:latin typeface="Arial Narrow" panose="020B0606020202030204" pitchFamily="34" charset="0"/>
+            </a:endParaRPr>
+          </a:p>
+        </p:txBody>
+      </p:sp>
+      <p:pic>
+        <p:nvPicPr>
+          <p:cNvPr id="11" name="Picture 10"/>
+          <p:cNvPicPr>
+            <a:picLocks noChangeAspect="1"/>
+          </p:cNvPicPr>
+          <p:nvPr/>
+        </p:nvPicPr>
+        <p:blipFill>
+          <a:blip r:embed="rId5">
+            <a:extLst>
+              <a:ext uri="{28A0092B-C50C-407E-A947-70E740481C1C}">
+                <a14:useLocalDpi xmlns:a14="http://schemas.microsoft.com/office/drawing/2010/main" val="0"/>
+              </a:ext>
+            </a:extLst>
+          </a:blip>
+          <a:stretch>
+            <a:fillRect/>
+          </a:stretch>
+        </p:blipFill>
+        <p:spPr>
+          <a:xfrm>
+            <a:off x="10234236" y="5169550"/>
+            <a:ext cx="1792855" cy="1547405"/>
+          </a:xfrm>
+          <a:prstGeom prst="rect">
+            <a:avLst/>
+          </a:prstGeom>
+        </p:spPr>
+      </p:pic>
+      <p:pic>
+        <p:nvPicPr>
+          <p:cNvPr id="10" name="Picture 9" descr="A picture containing clipart&#10;&#10;Description generated with high confidence">
+            <a:extLst>
+              <a:ext uri="{FF2B5EF4-FFF2-40B4-BE49-F238E27FC236}">
+                <a16:creationId xmlns:a16="http://schemas.microsoft.com/office/drawing/2014/main" id="{CB46BA7D-8195-430D-B1B2-59EA4330DBB9}"/>
+              </a:ext>
+            </a:extLst>
+          </p:cNvPr>
+          <p:cNvPicPr>
+            <a:picLocks noChangeAspect="1"/>
+          </p:cNvPicPr>
+          <p:nvPr/>
+        </p:nvPicPr>
+        <p:blipFill>
+          <a:blip r:embed="rId6"/>
+          <a:stretch>
+            <a:fillRect/>
+          </a:stretch>
+        </p:blipFill>
+        <p:spPr>
+          <a:xfrm>
+            <a:off x="5045548" y="6176745"/>
+            <a:ext cx="434476" cy="434476"/>
+          </a:xfrm>
+          <a:prstGeom prst="rect">
+            <a:avLst/>
+          </a:prstGeom>
+        </p:spPr>
+      </p:pic>
+      <p:sp>
+        <p:nvSpPr>
+          <p:cNvPr id="12" name="Rectangle 11">
+            <a:extLst>
+              <a:ext uri="{FF2B5EF4-FFF2-40B4-BE49-F238E27FC236}">
+                <a16:creationId xmlns:a16="http://schemas.microsoft.com/office/drawing/2014/main" id="{02997701-9E60-43F9-8590-E626932BF970}"/>
+              </a:ext>
+            </a:extLst>
+          </p:cNvPr>
+          <p:cNvSpPr/>
+          <p:nvPr/>
+        </p:nvSpPr>
+        <p:spPr>
+          <a:xfrm>
+            <a:off x="5531480" y="6176745"/>
+            <a:ext cx="3446777" cy="369332"/>
+          </a:xfrm>
+          <a:prstGeom prst="rect">
+            <a:avLst/>
+          </a:prstGeom>
+        </p:spPr>
+        <p:txBody>
+          <a:bodyPr wrap="none">
+            <a:spAutoFit/>
+          </a:bodyPr>
+          <a:lstStyle/>
+          <a:p>
+            <a:r>
+              <a:rPr lang="en-US" dirty="0">
+                <a:solidFill>
+                  <a:schemeClr val="accent4">
+                    <a:lumMod val="20000"/>
+                    <a:lumOff val="80000"/>
+                  </a:schemeClr>
+                </a:solidFill>
+              </a:rPr>
+              <a:t>Subscribe to me on YouTube!</a:t>
+            </a:r>
+          </a:p>
+        </p:txBody>
+      </p:sp>
+      <p:pic>
+        <p:nvPicPr>
+          <p:cNvPr id="5" name="Picture 4">
+            <a:extLst>
+              <a:ext uri="{FF2B5EF4-FFF2-40B4-BE49-F238E27FC236}">
+                <a16:creationId xmlns:a16="http://schemas.microsoft.com/office/drawing/2014/main" id="{D9BC7EE8-6B82-4FC9-B46E-BBAA5D14507E}"/>
+              </a:ext>
+            </a:extLst>
+          </p:cNvPr>
+          <p:cNvPicPr>
+            <a:picLocks noChangeAspect="1"/>
+          </p:cNvPicPr>
+          <p:nvPr/>
+        </p:nvPicPr>
+        <p:blipFill>
+          <a:blip r:embed="rId7"/>
+          <a:stretch>
+            <a:fillRect/>
+          </a:stretch>
+        </p:blipFill>
+        <p:spPr>
+          <a:xfrm>
+            <a:off x="3625583" y="1204940"/>
+            <a:ext cx="1135348" cy="242955"/>
+          </a:xfrm>
+          <a:prstGeom prst="rect">
+            <a:avLst/>
+          </a:prstGeom>
+        </p:spPr>
+      </p:pic>
+    </p:spTree>
+    <p:extLst>
+      <p:ext uri="{BB962C8B-B14F-4D97-AF65-F5344CB8AC3E}">
+        <p14:creationId xmlns:p14="http://schemas.microsoft.com/office/powerpoint/2010/main" val="1004504306"/>
+      </p:ext>
+    </p:extLst>
+  </p:cSld>
+  <p:clrMapOvr>
+    <a:masterClrMapping/>
+  </p:clrMapOvr>
+</p:sld>
+</file>
+
+<file path=ppt/slides/slide20.xml><?xml version="1.0" encoding="utf-8"?>
 <p:sld xmlns:a="http://schemas.openxmlformats.org/drawingml/2006/main" xmlns:r="http://schemas.openxmlformats.org/officeDocument/2006/relationships" xmlns:p="http://schemas.openxmlformats.org/presentationml/2006/main">
   <p:cSld>
     <p:spTree>
@@ -48831,94 +49594,7 @@
 </p:sld>
 </file>
 
-<file path=ppt/slides/slide2.xml><?xml version="1.0" encoding="utf-8"?>
-<p:sld xmlns:a="http://schemas.openxmlformats.org/drawingml/2006/main" xmlns:r="http://schemas.openxmlformats.org/officeDocument/2006/relationships" xmlns:p="http://schemas.openxmlformats.org/presentationml/2006/main">
-  <p:cSld>
-    <p:spTree>
-      <p:nvGrpSpPr>
-        <p:cNvPr id="1" name=""/>
-        <p:cNvGrpSpPr/>
-        <p:nvPr/>
-      </p:nvGrpSpPr>
-      <p:grpSpPr>
-        <a:xfrm>
-          <a:off x="0" y="0"/>
-          <a:ext cx="0" cy="0"/>
-          <a:chOff x="0" y="0"/>
-          <a:chExt cx="0" cy="0"/>
-        </a:xfrm>
-      </p:grpSpPr>
-      <p:sp>
-        <p:nvSpPr>
-          <p:cNvPr id="2" name="Title 1"/>
-          <p:cNvSpPr>
-            <a:spLocks noGrp="1"/>
-          </p:cNvSpPr>
-          <p:nvPr>
-            <p:ph type="ctrTitle" idx="4294967295"/>
-          </p:nvPr>
-        </p:nvSpPr>
-        <p:spPr>
-          <a:xfrm>
-            <a:off x="0" y="173315"/>
-            <a:ext cx="11487150" cy="489416"/>
-          </a:xfrm>
-        </p:spPr>
-        <p:txBody>
-          <a:bodyPr/>
-          <a:lstStyle/>
-          <a:p>
-            <a:r>
-              <a:rPr lang="en-US" sz="3600" dirty="0"/>
-              <a:t>Digital Transformation – What Business Are You In?</a:t>
-            </a:r>
-          </a:p>
-        </p:txBody>
-      </p:sp>
-      <p:pic>
-        <p:nvPicPr>
-          <p:cNvPr id="4" name="Picture 3">
-            <a:extLst>
-              <a:ext uri="{FF2B5EF4-FFF2-40B4-BE49-F238E27FC236}">
-                <a16:creationId xmlns:a16="http://schemas.microsoft.com/office/drawing/2014/main" id="{D8796E77-AF6A-4ECD-8568-897E31B85559}"/>
-              </a:ext>
-            </a:extLst>
-          </p:cNvPr>
-          <p:cNvPicPr>
-            <a:picLocks noChangeAspect="1"/>
-          </p:cNvPicPr>
-          <p:nvPr/>
-        </p:nvPicPr>
-        <p:blipFill>
-          <a:blip r:embed="rId3"/>
-          <a:stretch>
-            <a:fillRect/>
-          </a:stretch>
-        </p:blipFill>
-        <p:spPr>
-          <a:xfrm>
-            <a:off x="1952624" y="1333500"/>
-            <a:ext cx="8486775" cy="5436840"/>
-          </a:xfrm>
-          <a:prstGeom prst="rect">
-            <a:avLst/>
-          </a:prstGeom>
-        </p:spPr>
-      </p:pic>
-    </p:spTree>
-    <p:extLst>
-      <p:ext uri="{BB962C8B-B14F-4D97-AF65-F5344CB8AC3E}">
-        <p14:creationId xmlns:p14="http://schemas.microsoft.com/office/powerpoint/2010/main" val="2122162460"/>
-      </p:ext>
-    </p:extLst>
-  </p:cSld>
-  <p:clrMapOvr>
-    <a:masterClrMapping/>
-  </p:clrMapOvr>
-</p:sld>
-</file>
-
-<file path=ppt/slides/slide20.xml><?xml version="1.0" encoding="utf-8"?>
+<file path=ppt/slides/slide21.xml><?xml version="1.0" encoding="utf-8"?>
 <p:sld xmlns:a="http://schemas.openxmlformats.org/drawingml/2006/main" xmlns:r="http://schemas.openxmlformats.org/officeDocument/2006/relationships" xmlns:p="http://schemas.openxmlformats.org/presentationml/2006/main">
   <p:cSld>
     <p:spTree>
@@ -49481,7 +50157,7 @@
 </p:sld>
 </file>
 
-<file path=ppt/slides/slide21.xml><?xml version="1.0" encoding="utf-8"?>
+<file path=ppt/slides/slide22.xml><?xml version="1.0" encoding="utf-8"?>
 <p:sld xmlns:a="http://schemas.openxmlformats.org/drawingml/2006/main" xmlns:r="http://schemas.openxmlformats.org/officeDocument/2006/relationships" xmlns:p="http://schemas.openxmlformats.org/presentationml/2006/main">
   <p:cSld>
     <p:spTree>
@@ -49629,7 +50305,7 @@
 </p:sld>
 </file>
 
-<file path=ppt/slides/slide22.xml><?xml version="1.0" encoding="utf-8"?>
+<file path=ppt/slides/slide23.xml><?xml version="1.0" encoding="utf-8"?>
 <p:sld xmlns:a="http://schemas.openxmlformats.org/drawingml/2006/main" xmlns:r="http://schemas.openxmlformats.org/officeDocument/2006/relationships" xmlns:p="http://schemas.openxmlformats.org/presentationml/2006/main">
   <p:cSld>
     <p:spTree>
@@ -49721,7 +50397,7 @@
 </p:sld>
 </file>
 
-<file path=ppt/slides/slide23.xml><?xml version="1.0" encoding="utf-8"?>
+<file path=ppt/slides/slide24.xml><?xml version="1.0" encoding="utf-8"?>
 <p:sld xmlns:a="http://schemas.openxmlformats.org/drawingml/2006/main" xmlns:r="http://schemas.openxmlformats.org/officeDocument/2006/relationships" xmlns:p="http://schemas.openxmlformats.org/presentationml/2006/main">
   <p:cSld>
     <p:spTree>
@@ -49938,8 +50614,8 @@
 </p:sld>
 </file>
 
-<file path=ppt/slides/slide24.xml><?xml version="1.0" encoding="utf-8"?>
-<p:sld xmlns:a="http://schemas.openxmlformats.org/drawingml/2006/main" xmlns:r="http://schemas.openxmlformats.org/officeDocument/2006/relationships" xmlns:p="http://schemas.openxmlformats.org/presentationml/2006/main">
+<file path=ppt/slides/slide25.xml><?xml version="1.0" encoding="utf-8"?>
+<p:sld xmlns:a="http://schemas.openxmlformats.org/drawingml/2006/main" xmlns:r="http://schemas.openxmlformats.org/officeDocument/2006/relationships" xmlns:p="http://schemas.openxmlformats.org/presentationml/2006/main" show="0">
   <p:cSld>
     <p:spTree>
       <p:nvGrpSpPr>
@@ -49955,60 +50631,6 @@
           <a:chExt cx="0" cy="0"/>
         </a:xfrm>
       </p:grpSpPr>
-      <p:sp>
-        <p:nvSpPr>
-          <p:cNvPr id="10" name="Rectangle 9">
-            <a:extLst>
-              <a:ext uri="{FF2B5EF4-FFF2-40B4-BE49-F238E27FC236}">
-                <a16:creationId xmlns:a16="http://schemas.microsoft.com/office/drawing/2014/main" id="{294773A1-6B2D-4695-A3F0-0D8E522217C2}"/>
-              </a:ext>
-            </a:extLst>
-          </p:cNvPr>
-          <p:cNvSpPr/>
-          <p:nvPr/>
-        </p:nvSpPr>
-        <p:spPr>
-          <a:xfrm>
-            <a:off x="1278130" y="1302815"/>
-            <a:ext cx="7501631" cy="1313896"/>
-          </a:xfrm>
-          <a:prstGeom prst="rect">
-            <a:avLst/>
-          </a:prstGeom>
-          <a:solidFill>
-            <a:srgbClr val="7030A0"/>
-          </a:solidFill>
-          <a:ln>
-            <a:solidFill>
-              <a:schemeClr val="bg1"/>
-            </a:solidFill>
-          </a:ln>
-        </p:spPr>
-        <p:style>
-          <a:lnRef idx="2">
-            <a:schemeClr val="accent1">
-              <a:shade val="50000"/>
-            </a:schemeClr>
-          </a:lnRef>
-          <a:fillRef idx="1">
-            <a:schemeClr val="accent1"/>
-          </a:fillRef>
-          <a:effectRef idx="0">
-            <a:schemeClr val="accent1"/>
-          </a:effectRef>
-          <a:fontRef idx="minor">
-            <a:schemeClr val="lt1"/>
-          </a:fontRef>
-        </p:style>
-        <p:txBody>
-          <a:bodyPr rtlCol="0" anchor="ctr"/>
-          <a:lstStyle/>
-          <a:p>
-            <a:pPr algn="ctr"/>
-            <a:endParaRPr lang="en-US"/>
-          </a:p>
-        </p:txBody>
-      </p:sp>
       <p:sp>
         <p:nvSpPr>
           <p:cNvPr id="4" name="Rectangle 3">
@@ -50063,7 +50685,7 @@
         </p:nvSpPr>
         <p:spPr>
           <a:xfrm>
-            <a:off x="1312342" y="5833712"/>
+            <a:off x="232642" y="4080412"/>
             <a:ext cx="7645228" cy="369332"/>
           </a:xfrm>
           <a:prstGeom prst="rect">
@@ -50100,7 +50722,7 @@
         </p:nvSpPr>
         <p:spPr>
           <a:xfrm>
-            <a:off x="1312342" y="3104451"/>
+            <a:off x="232642" y="1351151"/>
             <a:ext cx="6096000" cy="2585323"/>
           </a:xfrm>
           <a:prstGeom prst="rect">
@@ -50206,120 +50828,6 @@
       </p:sp>
       <p:sp>
         <p:nvSpPr>
-          <p:cNvPr id="6" name="Rectangle 5">
-            <a:extLst>
-              <a:ext uri="{FF2B5EF4-FFF2-40B4-BE49-F238E27FC236}">
-                <a16:creationId xmlns:a16="http://schemas.microsoft.com/office/drawing/2014/main" id="{C26F8294-E3AA-40D2-9289-21CB5E9B25FF}"/>
-              </a:ext>
-            </a:extLst>
-          </p:cNvPr>
-          <p:cNvSpPr/>
-          <p:nvPr/>
-        </p:nvSpPr>
-        <p:spPr>
-          <a:xfrm>
-            <a:off x="1312342" y="2061390"/>
-            <a:ext cx="6061788" cy="369332"/>
-          </a:xfrm>
-          <a:prstGeom prst="rect">
-            <a:avLst/>
-          </a:prstGeom>
-        </p:spPr>
-        <p:txBody>
-          <a:bodyPr wrap="none">
-            <a:spAutoFit/>
-          </a:bodyPr>
-          <a:lstStyle/>
-          <a:p>
-            <a:r>
-              <a:rPr lang="en-US" u="sng" dirty="0">
-                <a:solidFill>
-                  <a:srgbClr val="000000"/>
-                </a:solidFill>
-                <a:latin typeface="Verdana" panose="020B0604030504040204" pitchFamily="34" charset="0"/>
-                <a:ea typeface="Calibri" panose="020F0502020204030204" pitchFamily="34" charset="0"/>
-                <a:cs typeface="Calibri" panose="020F0502020204030204" pitchFamily="34" charset="0"/>
-                <a:hlinkClick r:id="rId4"/>
-              </a:rPr>
-              <a:t>https://boston-azuredatafest2018.eventbrite.com</a:t>
-            </a:r>
-            <a:r>
-              <a:rPr lang="en-US" dirty="0">
-                <a:solidFill>
-                  <a:srgbClr val="000000"/>
-                </a:solidFill>
-                <a:latin typeface="Verdana" panose="020B0604030504040204" pitchFamily="34" charset="0"/>
-                <a:ea typeface="Calibri" panose="020F0502020204030204" pitchFamily="34" charset="0"/>
-                <a:cs typeface="Calibri" panose="020F0502020204030204" pitchFamily="34" charset="0"/>
-              </a:rPr>
-              <a:t> </a:t>
-            </a:r>
-            <a:endParaRPr lang="en-US" dirty="0"/>
-          </a:p>
-        </p:txBody>
-      </p:sp>
-      <p:sp>
-        <p:nvSpPr>
-          <p:cNvPr id="7" name="Rectangle 6">
-            <a:extLst>
-              <a:ext uri="{FF2B5EF4-FFF2-40B4-BE49-F238E27FC236}">
-                <a16:creationId xmlns:a16="http://schemas.microsoft.com/office/drawing/2014/main" id="{4C072545-C851-4DBC-91C4-34357161F78A}"/>
-              </a:ext>
-            </a:extLst>
-          </p:cNvPr>
-          <p:cNvSpPr/>
-          <p:nvPr/>
-        </p:nvSpPr>
-        <p:spPr>
-          <a:xfrm>
-            <a:off x="1278130" y="1548120"/>
-            <a:ext cx="7679440" cy="400110"/>
-          </a:xfrm>
-          <a:prstGeom prst="rect">
-            <a:avLst/>
-          </a:prstGeom>
-        </p:spPr>
-        <p:txBody>
-          <a:bodyPr wrap="square">
-            <a:spAutoFit/>
-          </a:bodyPr>
-          <a:lstStyle/>
-          <a:p>
-            <a:r>
-              <a:rPr lang="en-US" sz="2000" dirty="0">
-                <a:solidFill>
-                  <a:schemeClr val="bg1"/>
-                </a:solidFill>
-                <a:latin typeface="Arial" panose="020B0604020202020204" pitchFamily="34" charset="0"/>
-                <a:cs typeface="Arial" panose="020B0604020202020204" pitchFamily="34" charset="0"/>
-              </a:rPr>
-              <a:t>Azure Datafest on March 1</a:t>
-            </a:r>
-            <a:r>
-              <a:rPr lang="en-US" sz="2000" baseline="30000" dirty="0">
-                <a:solidFill>
-                  <a:schemeClr val="bg1"/>
-                </a:solidFill>
-                <a:latin typeface="Arial" panose="020B0604020202020204" pitchFamily="34" charset="0"/>
-                <a:cs typeface="Arial" panose="020B0604020202020204" pitchFamily="34" charset="0"/>
-              </a:rPr>
-              <a:t>st</a:t>
-            </a:r>
-            <a:r>
-              <a:rPr lang="en-US" sz="2000" dirty="0">
-                <a:solidFill>
-                  <a:schemeClr val="bg1"/>
-                </a:solidFill>
-                <a:latin typeface="Arial" panose="020B0604020202020204" pitchFamily="34" charset="0"/>
-                <a:cs typeface="Arial" panose="020B0604020202020204" pitchFamily="34" charset="0"/>
-              </a:rPr>
-              <a:t> at the Microsoft Burlington Office</a:t>
-            </a:r>
-          </a:p>
-        </p:txBody>
-      </p:sp>
-      <p:sp>
-        <p:nvSpPr>
           <p:cNvPr id="8" name="Rectangle 7">
             <a:extLst>
               <a:ext uri="{FF2B5EF4-FFF2-40B4-BE49-F238E27FC236}">
@@ -50332,7 +50840,7 @@
         </p:nvSpPr>
         <p:spPr>
           <a:xfrm>
-            <a:off x="1312342" y="4719503"/>
+            <a:off x="232642" y="2966203"/>
             <a:ext cx="5682966" cy="369332"/>
           </a:xfrm>
           <a:prstGeom prst="rect">
@@ -50347,7 +50855,7 @@
           <a:p>
             <a:r>
               <a:rPr lang="en-US" dirty="0">
-                <a:hlinkClick r:id="rId5"/>
+                <a:hlinkClick r:id="rId4"/>
               </a:rPr>
               <a:t>https://www.meetup.com/The-RI-Microsoft-BIUG/</a:t>
             </a:r>
@@ -50369,7 +50877,7 @@
         </p:nvSpPr>
         <p:spPr>
           <a:xfrm>
-            <a:off x="1295236" y="3442867"/>
+            <a:off x="232642" y="1840569"/>
             <a:ext cx="8345914" cy="369332"/>
           </a:xfrm>
           <a:prstGeom prst="rect">
@@ -50384,7 +50892,7 @@
           <a:p>
             <a:r>
               <a:rPr lang="en-US" dirty="0">
-                <a:hlinkClick r:id="rId6"/>
+                <a:hlinkClick r:id="rId5"/>
               </a:rPr>
               <a:t>https://www.meetup.com/Rhode-Island-SQL-Server-Users-Group/</a:t>
             </a:r>
@@ -50405,7 +50913,7 @@
 </p:sld>
 </file>
 
-<file path=ppt/slides/slide25.xml><?xml version="1.0" encoding="utf-8"?>
+<file path=ppt/slides/slide26.xml><?xml version="1.0" encoding="utf-8"?>
 <p:sld xmlns:a="http://schemas.openxmlformats.org/drawingml/2006/main" xmlns:r="http://schemas.openxmlformats.org/officeDocument/2006/relationships" xmlns:p="http://schemas.openxmlformats.org/presentationml/2006/main">
   <p:cSld>
     <p:spTree>
@@ -50462,43 +50970,6 @@
           </a:p>
         </p:txBody>
       </p:sp>
-      <p:sp>
-        <p:nvSpPr>
-          <p:cNvPr id="3" name="Rectangle 2">
-            <a:extLst>
-              <a:ext uri="{FF2B5EF4-FFF2-40B4-BE49-F238E27FC236}">
-                <a16:creationId xmlns:a16="http://schemas.microsoft.com/office/drawing/2014/main" id="{1A239BB5-849B-4377-A8A2-21765CEEE1F4}"/>
-              </a:ext>
-            </a:extLst>
-          </p:cNvPr>
-          <p:cNvSpPr/>
-          <p:nvPr/>
-        </p:nvSpPr>
-        <p:spPr>
-          <a:xfrm>
-            <a:off x="1871634" y="5105743"/>
-            <a:ext cx="10073195" cy="369332"/>
-          </a:xfrm>
-          <a:prstGeom prst="rect">
-            <a:avLst/>
-          </a:prstGeom>
-        </p:spPr>
-        <p:txBody>
-          <a:bodyPr wrap="square">
-            <a:spAutoFit/>
-          </a:bodyPr>
-          <a:lstStyle/>
-          <a:p>
-            <a:r>
-              <a:rPr lang="en-US" dirty="0">
-                <a:hlinkClick r:id="rId3"/>
-              </a:rPr>
-              <a:t>https://www.meetup.com/GreaterBoston-DataScienceGroup</a:t>
-            </a:r>
-            <a:endParaRPr lang="en-US" dirty="0"/>
-          </a:p>
-        </p:txBody>
-      </p:sp>
     </p:spTree>
     <p:extLst>
       <p:ext uri="{BB962C8B-B14F-4D97-AF65-F5344CB8AC3E}">
@@ -50513,6 +50984,93 @@
 </file>
 
 <file path=ppt/slides/slide3.xml><?xml version="1.0" encoding="utf-8"?>
+<p:sld xmlns:a="http://schemas.openxmlformats.org/drawingml/2006/main" xmlns:r="http://schemas.openxmlformats.org/officeDocument/2006/relationships" xmlns:p="http://schemas.openxmlformats.org/presentationml/2006/main">
+  <p:cSld>
+    <p:spTree>
+      <p:nvGrpSpPr>
+        <p:cNvPr id="1" name=""/>
+        <p:cNvGrpSpPr/>
+        <p:nvPr/>
+      </p:nvGrpSpPr>
+      <p:grpSpPr>
+        <a:xfrm>
+          <a:off x="0" y="0"/>
+          <a:ext cx="0" cy="0"/>
+          <a:chOff x="0" y="0"/>
+          <a:chExt cx="0" cy="0"/>
+        </a:xfrm>
+      </p:grpSpPr>
+      <p:sp>
+        <p:nvSpPr>
+          <p:cNvPr id="2" name="Title 1"/>
+          <p:cNvSpPr>
+            <a:spLocks noGrp="1"/>
+          </p:cNvSpPr>
+          <p:nvPr>
+            <p:ph type="ctrTitle" idx="4294967295"/>
+          </p:nvPr>
+        </p:nvSpPr>
+        <p:spPr>
+          <a:xfrm>
+            <a:off x="0" y="173315"/>
+            <a:ext cx="11487150" cy="489416"/>
+          </a:xfrm>
+        </p:spPr>
+        <p:txBody>
+          <a:bodyPr/>
+          <a:lstStyle/>
+          <a:p>
+            <a:r>
+              <a:rPr lang="en-US" sz="3600" dirty="0"/>
+              <a:t>Digital Transformation – What Business Are You In?</a:t>
+            </a:r>
+          </a:p>
+        </p:txBody>
+      </p:sp>
+      <p:pic>
+        <p:nvPicPr>
+          <p:cNvPr id="4" name="Picture 3">
+            <a:extLst>
+              <a:ext uri="{FF2B5EF4-FFF2-40B4-BE49-F238E27FC236}">
+                <a16:creationId xmlns:a16="http://schemas.microsoft.com/office/drawing/2014/main" id="{D8796E77-AF6A-4ECD-8568-897E31B85559}"/>
+              </a:ext>
+            </a:extLst>
+          </p:cNvPr>
+          <p:cNvPicPr>
+            <a:picLocks noChangeAspect="1"/>
+          </p:cNvPicPr>
+          <p:nvPr/>
+        </p:nvPicPr>
+        <p:blipFill>
+          <a:blip r:embed="rId3"/>
+          <a:stretch>
+            <a:fillRect/>
+          </a:stretch>
+        </p:blipFill>
+        <p:spPr>
+          <a:xfrm>
+            <a:off x="1952624" y="1333500"/>
+            <a:ext cx="8486775" cy="5436840"/>
+          </a:xfrm>
+          <a:prstGeom prst="rect">
+            <a:avLst/>
+          </a:prstGeom>
+        </p:spPr>
+      </p:pic>
+    </p:spTree>
+    <p:extLst>
+      <p:ext uri="{BB962C8B-B14F-4D97-AF65-F5344CB8AC3E}">
+        <p14:creationId xmlns:p14="http://schemas.microsoft.com/office/powerpoint/2010/main" val="2122162460"/>
+      </p:ext>
+    </p:extLst>
+  </p:cSld>
+  <p:clrMapOvr>
+    <a:masterClrMapping/>
+  </p:clrMapOvr>
+</p:sld>
+</file>
+
+<file path=ppt/slides/slide4.xml><?xml version="1.0" encoding="utf-8"?>
 <p:sld xmlns:a="http://schemas.openxmlformats.org/drawingml/2006/main" xmlns:r="http://schemas.openxmlformats.org/officeDocument/2006/relationships" xmlns:p="http://schemas.openxmlformats.org/presentationml/2006/main">
   <p:cSld>
     <p:spTree>
@@ -50616,7 +51174,7 @@
 </p:sld>
 </file>
 
-<file path=ppt/slides/slide4.xml><?xml version="1.0" encoding="utf-8"?>
+<file path=ppt/slides/slide5.xml><?xml version="1.0" encoding="utf-8"?>
 <p:sld xmlns:a="http://schemas.openxmlformats.org/drawingml/2006/main" xmlns:r="http://schemas.openxmlformats.org/officeDocument/2006/relationships" xmlns:p="http://schemas.openxmlformats.org/presentationml/2006/main">
   <p:cSld>
     <p:spTree>
@@ -50741,7 +51299,7 @@
 </p:sld>
 </file>
 
-<file path=ppt/slides/slide5.xml><?xml version="1.0" encoding="utf-8"?>
+<file path=ppt/slides/slide6.xml><?xml version="1.0" encoding="utf-8"?>
 <p:sld xmlns:a="http://schemas.openxmlformats.org/drawingml/2006/main" xmlns:r="http://schemas.openxmlformats.org/officeDocument/2006/relationships" xmlns:p="http://schemas.openxmlformats.org/presentationml/2006/main">
   <p:cSld>
     <p:spTree>
@@ -51357,7 +51915,7 @@
 </p:sld>
 </file>
 
-<file path=ppt/slides/slide6.xml><?xml version="1.0" encoding="utf-8"?>
+<file path=ppt/slides/slide7.xml><?xml version="1.0" encoding="utf-8"?>
 <p:sld xmlns:a="http://schemas.openxmlformats.org/drawingml/2006/main" xmlns:r="http://schemas.openxmlformats.org/officeDocument/2006/relationships" xmlns:p="http://schemas.openxmlformats.org/presentationml/2006/main">
   <p:cSld>
     <p:spTree>
@@ -51454,7 +52012,7 @@
 </p:sld>
 </file>
 
-<file path=ppt/slides/slide7.xml><?xml version="1.0" encoding="utf-8"?>
+<file path=ppt/slides/slide8.xml><?xml version="1.0" encoding="utf-8"?>
 <p:sld xmlns:a="http://schemas.openxmlformats.org/drawingml/2006/main" xmlns:r="http://schemas.openxmlformats.org/officeDocument/2006/relationships" xmlns:p="http://schemas.openxmlformats.org/presentationml/2006/main">
   <p:cSld>
     <p:spTree>
@@ -51512,8 +52070,8 @@
         </p:nvSpPr>
         <p:spPr>
           <a:xfrm>
-            <a:off x="976544" y="1118587"/>
-            <a:ext cx="9916497" cy="5355312"/>
+            <a:off x="431260" y="948690"/>
+            <a:ext cx="8297464" cy="5909310"/>
           </a:xfrm>
           <a:prstGeom prst="rect">
             <a:avLst/>
@@ -51532,7 +52090,7 @@
                   <a:schemeClr val="bg1"/>
                 </a:solidFill>
               </a:rPr>
-              <a:t>Member Mobile Apps Integrated with Biometric Devices</a:t>
+              <a:t>Member Mobile Apps Integrated with Devices</a:t>
             </a:r>
           </a:p>
           <a:p>
@@ -51621,6 +52179,34 @@
                   <a:schemeClr val="bg1"/>
                 </a:solidFill>
               </a:rPr>
+              <a:t>Readmission?</a:t>
+            </a:r>
+          </a:p>
+          <a:p>
+            <a:pPr marL="742950" lvl="1" indent="-285750">
+              <a:buFont typeface="Arial" panose="020B0604020202020204" pitchFamily="34" charset="0"/>
+              <a:buChar char="•"/>
+            </a:pPr>
+            <a:r>
+              <a:rPr lang="en-US" dirty="0">
+                <a:solidFill>
+                  <a:schemeClr val="bg1"/>
+                </a:solidFill>
+              </a:rPr>
+              <a:t>Infection?</a:t>
+            </a:r>
+          </a:p>
+          <a:p>
+            <a:pPr marL="742950" lvl="1" indent="-285750">
+              <a:buFont typeface="Arial" panose="020B0604020202020204" pitchFamily="34" charset="0"/>
+              <a:buChar char="•"/>
+            </a:pPr>
+            <a:r>
+              <a:rPr lang="en-US" dirty="0">
+                <a:solidFill>
+                  <a:schemeClr val="bg1"/>
+                </a:solidFill>
+              </a:rPr>
               <a:t>What Members are not engaging?</a:t>
             </a:r>
           </a:p>
@@ -51635,7 +52221,7 @@
                   <a:schemeClr val="bg1"/>
                 </a:solidFill>
               </a:rPr>
-              <a:t>How do members feel about Provant?</a:t>
+              <a:t>How do members feel about you?</a:t>
             </a:r>
           </a:p>
           <a:p>
@@ -51681,7 +52267,7 @@
 </p:sld>
 </file>
 
-<file path=ppt/slides/slide8.xml><?xml version="1.0" encoding="utf-8"?>
+<file path=ppt/slides/slide9.xml><?xml version="1.0" encoding="utf-8"?>
 <p:sld xmlns:a="http://schemas.openxmlformats.org/drawingml/2006/main" xmlns:r="http://schemas.openxmlformats.org/officeDocument/2006/relationships" xmlns:p="http://schemas.openxmlformats.org/presentationml/2006/main">
   <p:cSld>
     <p:spTree>
@@ -51871,110 +52457,6 @@
     <p:extLst>
       <p:ext uri="{BB962C8B-B14F-4D97-AF65-F5344CB8AC3E}">
         <p14:creationId xmlns:p14="http://schemas.microsoft.com/office/powerpoint/2010/main" val="3390241017"/>
-      </p:ext>
-    </p:extLst>
-  </p:cSld>
-  <p:clrMapOvr>
-    <a:masterClrMapping/>
-  </p:clrMapOvr>
-</p:sld>
-</file>
-
-<file path=ppt/slides/slide9.xml><?xml version="1.0" encoding="utf-8"?>
-<p:sld xmlns:a="http://schemas.openxmlformats.org/drawingml/2006/main" xmlns:r="http://schemas.openxmlformats.org/officeDocument/2006/relationships" xmlns:p="http://schemas.openxmlformats.org/presentationml/2006/main">
-  <p:cSld>
-    <p:spTree>
-      <p:nvGrpSpPr>
-        <p:cNvPr id="1" name=""/>
-        <p:cNvGrpSpPr/>
-        <p:nvPr/>
-      </p:nvGrpSpPr>
-      <p:grpSpPr>
-        <a:xfrm>
-          <a:off x="0" y="0"/>
-          <a:ext cx="0" cy="0"/>
-          <a:chOff x="0" y="0"/>
-          <a:chExt cx="0" cy="0"/>
-        </a:xfrm>
-      </p:grpSpPr>
-      <p:sp>
-        <p:nvSpPr>
-          <p:cNvPr id="2" name="Title 1"/>
-          <p:cNvSpPr>
-            <a:spLocks noGrp="1"/>
-          </p:cNvSpPr>
-          <p:nvPr>
-            <p:ph type="ctrTitle" idx="4294967295"/>
-          </p:nvPr>
-        </p:nvSpPr>
-        <p:spPr>
-          <a:xfrm>
-            <a:off x="0" y="173315"/>
-            <a:ext cx="10789920" cy="489416"/>
-          </a:xfrm>
-        </p:spPr>
-        <p:txBody>
-          <a:bodyPr/>
-          <a:lstStyle/>
-          <a:p>
-            <a:r>
-              <a:rPr lang="en-US" sz="3600" dirty="0"/>
-              <a:t>SQL Server/Machine Learning Integration</a:t>
-            </a:r>
-          </a:p>
-        </p:txBody>
-      </p:sp>
-      <p:pic>
-        <p:nvPicPr>
-          <p:cNvPr id="2050" name="Picture 2" descr="Image result for sql server 2017">
-            <a:extLst>
-              <a:ext uri="{FF2B5EF4-FFF2-40B4-BE49-F238E27FC236}">
-                <a16:creationId xmlns:a16="http://schemas.microsoft.com/office/drawing/2014/main" id="{C1DCE343-52B6-44A9-BE34-032A6998670A}"/>
-              </a:ext>
-            </a:extLst>
-          </p:cNvPr>
-          <p:cNvPicPr>
-            <a:picLocks noChangeAspect="1" noChangeArrowheads="1"/>
-          </p:cNvPicPr>
-          <p:nvPr/>
-        </p:nvPicPr>
-        <p:blipFill>
-          <a:blip r:embed="rId3">
-            <a:extLst>
-              <a:ext uri="{28A0092B-C50C-407E-A947-70E740481C1C}">
-                <a14:useLocalDpi xmlns:a14="http://schemas.microsoft.com/office/drawing/2010/main" val="0"/>
-              </a:ext>
-            </a:extLst>
-          </a:blip>
-          <a:srcRect/>
-          <a:stretch>
-            <a:fillRect/>
-          </a:stretch>
-        </p:blipFill>
-        <p:spPr bwMode="auto">
-          <a:xfrm>
-            <a:off x="2199005" y="1727200"/>
-            <a:ext cx="7535358" cy="4239895"/>
-          </a:xfrm>
-          <a:prstGeom prst="rect">
-            <a:avLst/>
-          </a:prstGeom>
-          <a:noFill/>
-          <a:extLst>
-            <a:ext uri="{909E8E84-426E-40DD-AFC4-6F175D3DCCD1}">
-              <a14:hiddenFill xmlns:a14="http://schemas.microsoft.com/office/drawing/2010/main">
-                <a:solidFill>
-                  <a:srgbClr val="FFFFFF"/>
-                </a:solidFill>
-              </a14:hiddenFill>
-            </a:ext>
-          </a:extLst>
-        </p:spPr>
-      </p:pic>
-    </p:spTree>
-    <p:extLst>
-      <p:ext uri="{BB962C8B-B14F-4D97-AF65-F5344CB8AC3E}">
-        <p14:creationId xmlns:p14="http://schemas.microsoft.com/office/powerpoint/2010/main" val="1123677463"/>
       </p:ext>
     </p:extLst>
   </p:cSld>

--- a/AzureDSOverview/AzureDSOverview.pptx
+++ b/AzureDSOverview/AzureDSOverview.pptx
@@ -222,7 +222,7 @@
           <a:p>
             <a:fld id="{EA5437A5-9A1F-423F-AB35-0B6CC9C46E62}" type="datetimeFigureOut">
               <a:rPr lang="en-US" smtClean="0"/>
-              <a:t>5/7/2018</a:t>
+              <a:t>5/8/2018</a:t>
             </a:fld>
             <a:endParaRPr lang="en-US"/>
           </a:p>
@@ -52102,12 +52102,20 @@
           </a:p>
           <a:p>
             <a:r>
+              <a:rPr lang="en-US" sz="2800">
+                <a:solidFill>
+                  <a:schemeClr val="bg1"/>
+                </a:solidFill>
+              </a:rPr>
+              <a:t>Patient </a:t>
+            </a:r>
+            <a:r>
               <a:rPr lang="en-US" sz="2800" dirty="0">
                 <a:solidFill>
                   <a:schemeClr val="bg1"/>
                 </a:solidFill>
               </a:rPr>
-              <a:t>Customer Analytics Portal</a:t>
+              <a:t>Analytics Portal</a:t>
             </a:r>
           </a:p>
           <a:p>

--- a/AzureDSOverview/AzureDSOverview.pptx
+++ b/AzureDSOverview/AzureDSOverview.pptx
@@ -5,7 +5,7 @@
     <p:sldMasterId id="2147483648" r:id="rId1"/>
   </p:sldMasterIdLst>
   <p:notesMasterIdLst>
-    <p:notesMasterId r:id="rId28"/>
+    <p:notesMasterId r:id="rId29"/>
   </p:notesMasterIdLst>
   <p:sldIdLst>
     <p:sldId id="581" r:id="rId2"/>
@@ -18,22 +18,23 @@
     <p:sldId id="593" r:id="rId9"/>
     <p:sldId id="571" r:id="rId10"/>
     <p:sldId id="574" r:id="rId11"/>
-    <p:sldId id="584" r:id="rId12"/>
-    <p:sldId id="579" r:id="rId13"/>
-    <p:sldId id="566" r:id="rId14"/>
-    <p:sldId id="585" r:id="rId15"/>
-    <p:sldId id="586" r:id="rId16"/>
-    <p:sldId id="587" r:id="rId17"/>
-    <p:sldId id="588" r:id="rId18"/>
-    <p:sldId id="589" r:id="rId19"/>
-    <p:sldId id="572" r:id="rId20"/>
-    <p:sldId id="578" r:id="rId21"/>
-    <p:sldId id="569" r:id="rId22"/>
-    <p:sldId id="577" r:id="rId23"/>
-    <p:sldId id="592" r:id="rId24"/>
-    <p:sldId id="580" r:id="rId25"/>
-    <p:sldId id="573" r:id="rId26"/>
-    <p:sldId id="590" r:id="rId27"/>
+    <p:sldId id="595" r:id="rId12"/>
+    <p:sldId id="622" r:id="rId13"/>
+    <p:sldId id="579" r:id="rId14"/>
+    <p:sldId id="566" r:id="rId15"/>
+    <p:sldId id="585" r:id="rId16"/>
+    <p:sldId id="586" r:id="rId17"/>
+    <p:sldId id="587" r:id="rId18"/>
+    <p:sldId id="588" r:id="rId19"/>
+    <p:sldId id="589" r:id="rId20"/>
+    <p:sldId id="572" r:id="rId21"/>
+    <p:sldId id="578" r:id="rId22"/>
+    <p:sldId id="569" r:id="rId23"/>
+    <p:sldId id="577" r:id="rId24"/>
+    <p:sldId id="592" r:id="rId25"/>
+    <p:sldId id="580" r:id="rId26"/>
+    <p:sldId id="573" r:id="rId27"/>
+    <p:sldId id="590" r:id="rId28"/>
   </p:sldIdLst>
   <p:sldSz cx="12192000" cy="6858000"/>
   <p:notesSz cx="6858000" cy="9144000"/>
@@ -222,7 +223,7 @@
           <a:p>
             <a:fld id="{EA5437A5-9A1F-423F-AB35-0B6CC9C46E62}" type="datetimeFigureOut">
               <a:rPr lang="en-US" smtClean="0"/>
-              <a:t>5/8/2018</a:t>
+              <a:t>11/12/2018</a:t>
             </a:fld>
             <a:endParaRPr lang="en-US"/>
           </a:p>
@@ -737,7 +738,7 @@
     </p:spTree>
     <p:extLst>
       <p:ext uri="{BB962C8B-B14F-4D97-AF65-F5344CB8AC3E}">
-        <p14:creationId xmlns:p14="http://schemas.microsoft.com/office/powerpoint/2010/main" val="3550624342"/>
+        <p14:creationId xmlns:p14="http://schemas.microsoft.com/office/powerpoint/2010/main" val="1811701449"/>
       </p:ext>
     </p:extLst>
   </p:cSld>
@@ -821,7 +822,7 @@
     </p:spTree>
     <p:extLst>
       <p:ext uri="{BB962C8B-B14F-4D97-AF65-F5344CB8AC3E}">
-        <p14:creationId xmlns:p14="http://schemas.microsoft.com/office/powerpoint/2010/main" val="3071003790"/>
+        <p14:creationId xmlns:p14="http://schemas.microsoft.com/office/powerpoint/2010/main" val="4097901258"/>
       </p:ext>
     </p:extLst>
   </p:cSld>
@@ -894,14 +895,8 @@
           <a:bodyPr/>
           <a:lstStyle/>
           <a:p>
-            <a:pPr>
-              <a:defRPr/>
-            </a:pPr>
-            <a:fld id="{504728D5-99D5-4B27-8F03-9C83ED48E170}" type="slidenum">
+            <a:fld id="{F5D97377-8615-40E2-AA20-5EAD8051D528}" type="slidenum">
               <a:rPr lang="en-US" smtClean="0"/>
-              <a:pPr>
-                <a:defRPr/>
-              </a:pPr>
               <a:t>13</a:t>
             </a:fld>
             <a:endParaRPr lang="en-US"/>
@@ -911,7 +906,7 @@
     </p:spTree>
     <p:extLst>
       <p:ext uri="{BB962C8B-B14F-4D97-AF65-F5344CB8AC3E}">
-        <p14:creationId xmlns:p14="http://schemas.microsoft.com/office/powerpoint/2010/main" val="967938335"/>
+        <p14:creationId xmlns:p14="http://schemas.microsoft.com/office/powerpoint/2010/main" val="3071003790"/>
       </p:ext>
     </p:extLst>
   </p:cSld>
@@ -984,9 +979,99 @@
           <a:bodyPr/>
           <a:lstStyle/>
           <a:p>
+            <a:pPr>
+              <a:defRPr/>
+            </a:pPr>
+            <a:fld id="{504728D5-99D5-4B27-8F03-9C83ED48E170}" type="slidenum">
+              <a:rPr lang="en-US" smtClean="0"/>
+              <a:pPr>
+                <a:defRPr/>
+              </a:pPr>
+              <a:t>14</a:t>
+            </a:fld>
+            <a:endParaRPr lang="en-US"/>
+          </a:p>
+        </p:txBody>
+      </p:sp>
+    </p:spTree>
+    <p:extLst>
+      <p:ext uri="{BB962C8B-B14F-4D97-AF65-F5344CB8AC3E}">
+        <p14:creationId xmlns:p14="http://schemas.microsoft.com/office/powerpoint/2010/main" val="967938335"/>
+      </p:ext>
+    </p:extLst>
+  </p:cSld>
+  <p:clrMapOvr>
+    <a:masterClrMapping/>
+  </p:clrMapOvr>
+</p:notes>
+</file>
+
+<file path=ppt/notesSlides/notesSlide15.xml><?xml version="1.0" encoding="utf-8"?>
+<p:notes xmlns:a="http://schemas.openxmlformats.org/drawingml/2006/main" xmlns:r="http://schemas.openxmlformats.org/officeDocument/2006/relationships" xmlns:p="http://schemas.openxmlformats.org/presentationml/2006/main">
+  <p:cSld>
+    <p:spTree>
+      <p:nvGrpSpPr>
+        <p:cNvPr id="1" name=""/>
+        <p:cNvGrpSpPr/>
+        <p:nvPr/>
+      </p:nvGrpSpPr>
+      <p:grpSpPr>
+        <a:xfrm>
+          <a:off x="0" y="0"/>
+          <a:ext cx="0" cy="0"/>
+          <a:chOff x="0" y="0"/>
+          <a:chExt cx="0" cy="0"/>
+        </a:xfrm>
+      </p:grpSpPr>
+      <p:sp>
+        <p:nvSpPr>
+          <p:cNvPr id="2" name="Slide Image Placeholder 1"/>
+          <p:cNvSpPr>
+            <a:spLocks noGrp="1" noRot="1" noChangeAspect="1"/>
+          </p:cNvSpPr>
+          <p:nvPr>
+            <p:ph type="sldImg"/>
+          </p:nvPr>
+        </p:nvSpPr>
+        <p:spPr/>
+      </p:sp>
+      <p:sp>
+        <p:nvSpPr>
+          <p:cNvPr id="3" name="Notes Placeholder 2"/>
+          <p:cNvSpPr>
+            <a:spLocks noGrp="1"/>
+          </p:cNvSpPr>
+          <p:nvPr>
+            <p:ph type="body" idx="1"/>
+          </p:nvPr>
+        </p:nvSpPr>
+        <p:spPr/>
+        <p:txBody>
+          <a:bodyPr/>
+          <a:lstStyle/>
+          <a:p>
+            <a:endParaRPr lang="en-US"/>
+          </a:p>
+        </p:txBody>
+      </p:sp>
+      <p:sp>
+        <p:nvSpPr>
+          <p:cNvPr id="4" name="Slide Number Placeholder 3"/>
+          <p:cNvSpPr>
+            <a:spLocks noGrp="1"/>
+          </p:cNvSpPr>
+          <p:nvPr>
+            <p:ph type="sldNum" sz="quarter" idx="10"/>
+          </p:nvPr>
+        </p:nvSpPr>
+        <p:spPr/>
+        <p:txBody>
+          <a:bodyPr/>
+          <a:lstStyle/>
+          <a:p>
             <a:fld id="{F5D97377-8615-40E2-AA20-5EAD8051D528}" type="slidenum">
               <a:rPr lang="en-US" smtClean="0"/>
-              <a:t>14</a:t>
+              <a:t>15</a:t>
             </a:fld>
             <a:endParaRPr lang="en-US"/>
           </a:p>
@@ -1005,7 +1090,7 @@
 </p:notes>
 </file>
 
-<file path=ppt/notesSlides/notesSlide15.xml><?xml version="1.0" encoding="utf-8"?>
+<file path=ppt/notesSlides/notesSlide16.xml><?xml version="1.0" encoding="utf-8"?>
 <p:notes xmlns:a="http://schemas.openxmlformats.org/drawingml/2006/main" xmlns:r="http://schemas.openxmlformats.org/officeDocument/2006/relationships" xmlns:p="http://schemas.openxmlformats.org/presentationml/2006/main">
   <p:cSld>
     <p:spTree>
@@ -1501,7 +1586,7 @@
                 <a:tabLst/>
                 <a:defRPr/>
               </a:pPr>
-              <a:t>15</a:t>
+              <a:t>16</a:t>
             </a:fld>
             <a:endParaRPr kumimoji="0" lang="en-US" sz="1200" b="0" i="0" u="none" strike="noStrike" kern="1200" cap="none" spc="0" normalizeH="0" baseline="0" noProof="0">
               <a:ln>
@@ -1524,90 +1609,6 @@
     <p:extLst>
       <p:ext uri="{BB962C8B-B14F-4D97-AF65-F5344CB8AC3E}">
         <p14:creationId xmlns:p14="http://schemas.microsoft.com/office/powerpoint/2010/main" val="4097895213"/>
-      </p:ext>
-    </p:extLst>
-  </p:cSld>
-  <p:clrMapOvr>
-    <a:masterClrMapping/>
-  </p:clrMapOvr>
-</p:notes>
-</file>
-
-<file path=ppt/notesSlides/notesSlide16.xml><?xml version="1.0" encoding="utf-8"?>
-<p:notes xmlns:a="http://schemas.openxmlformats.org/drawingml/2006/main" xmlns:r="http://schemas.openxmlformats.org/officeDocument/2006/relationships" xmlns:p="http://schemas.openxmlformats.org/presentationml/2006/main">
-  <p:cSld>
-    <p:spTree>
-      <p:nvGrpSpPr>
-        <p:cNvPr id="1" name=""/>
-        <p:cNvGrpSpPr/>
-        <p:nvPr/>
-      </p:nvGrpSpPr>
-      <p:grpSpPr>
-        <a:xfrm>
-          <a:off x="0" y="0"/>
-          <a:ext cx="0" cy="0"/>
-          <a:chOff x="0" y="0"/>
-          <a:chExt cx="0" cy="0"/>
-        </a:xfrm>
-      </p:grpSpPr>
-      <p:sp>
-        <p:nvSpPr>
-          <p:cNvPr id="2" name="Slide Image Placeholder 1"/>
-          <p:cNvSpPr>
-            <a:spLocks noGrp="1" noRot="1" noChangeAspect="1"/>
-          </p:cNvSpPr>
-          <p:nvPr>
-            <p:ph type="sldImg"/>
-          </p:nvPr>
-        </p:nvSpPr>
-        <p:spPr/>
-      </p:sp>
-      <p:sp>
-        <p:nvSpPr>
-          <p:cNvPr id="3" name="Notes Placeholder 2"/>
-          <p:cNvSpPr>
-            <a:spLocks noGrp="1"/>
-          </p:cNvSpPr>
-          <p:nvPr>
-            <p:ph type="body" idx="1"/>
-          </p:nvPr>
-        </p:nvSpPr>
-        <p:spPr/>
-        <p:txBody>
-          <a:bodyPr/>
-          <a:lstStyle/>
-          <a:p>
-            <a:endParaRPr lang="en-US"/>
-          </a:p>
-        </p:txBody>
-      </p:sp>
-      <p:sp>
-        <p:nvSpPr>
-          <p:cNvPr id="4" name="Slide Number Placeholder 3"/>
-          <p:cNvSpPr>
-            <a:spLocks noGrp="1"/>
-          </p:cNvSpPr>
-          <p:nvPr>
-            <p:ph type="sldNum" sz="quarter" idx="10"/>
-          </p:nvPr>
-        </p:nvSpPr>
-        <p:spPr/>
-        <p:txBody>
-          <a:bodyPr/>
-          <a:lstStyle/>
-          <a:p>
-            <a:fld id="{F5D97377-8615-40E2-AA20-5EAD8051D528}" type="slidenum">
-              <a:rPr lang="en-US" smtClean="0"/>
-              <a:t>16</a:t>
-            </a:fld>
-            <a:endParaRPr lang="en-US"/>
-          </a:p>
-        </p:txBody>
-      </p:sp>
-    </p:spTree>
-    <p:extLst>
-      <p:ext uri="{BB962C8B-B14F-4D97-AF65-F5344CB8AC3E}">
-        <p14:creationId xmlns:p14="http://schemas.microsoft.com/office/powerpoint/2010/main" val="855228674"/>
       </p:ext>
     </p:extLst>
   </p:cSld>
@@ -1691,7 +1692,7 @@
     </p:spTree>
     <p:extLst>
       <p:ext uri="{BB962C8B-B14F-4D97-AF65-F5344CB8AC3E}">
-        <p14:creationId xmlns:p14="http://schemas.microsoft.com/office/powerpoint/2010/main" val="3091324812"/>
+        <p14:creationId xmlns:p14="http://schemas.microsoft.com/office/powerpoint/2010/main" val="855228674"/>
       </p:ext>
     </p:extLst>
   </p:cSld>
@@ -1775,7 +1776,7 @@
     </p:spTree>
     <p:extLst>
       <p:ext uri="{BB962C8B-B14F-4D97-AF65-F5344CB8AC3E}">
-        <p14:creationId xmlns:p14="http://schemas.microsoft.com/office/powerpoint/2010/main" val="1707041200"/>
+        <p14:creationId xmlns:p14="http://schemas.microsoft.com/office/powerpoint/2010/main" val="3091324812"/>
       </p:ext>
     </p:extLst>
   </p:cSld>
@@ -1859,7 +1860,7 @@
     </p:spTree>
     <p:extLst>
       <p:ext uri="{BB962C8B-B14F-4D97-AF65-F5344CB8AC3E}">
-        <p14:creationId xmlns:p14="http://schemas.microsoft.com/office/powerpoint/2010/main" val="1564436566"/>
+        <p14:creationId xmlns:p14="http://schemas.microsoft.com/office/powerpoint/2010/main" val="1707041200"/>
       </p:ext>
     </p:extLst>
   </p:cSld>
@@ -2027,7 +2028,7 @@
     </p:spTree>
     <p:extLst>
       <p:ext uri="{BB962C8B-B14F-4D97-AF65-F5344CB8AC3E}">
-        <p14:creationId xmlns:p14="http://schemas.microsoft.com/office/powerpoint/2010/main" val="4282367485"/>
+        <p14:creationId xmlns:p14="http://schemas.microsoft.com/office/powerpoint/2010/main" val="1564436566"/>
       </p:ext>
     </p:extLst>
   </p:cSld>
@@ -2111,7 +2112,7 @@
     </p:spTree>
     <p:extLst>
       <p:ext uri="{BB962C8B-B14F-4D97-AF65-F5344CB8AC3E}">
-        <p14:creationId xmlns:p14="http://schemas.microsoft.com/office/powerpoint/2010/main" val="2086385879"/>
+        <p14:creationId xmlns:p14="http://schemas.microsoft.com/office/powerpoint/2010/main" val="4282367485"/>
       </p:ext>
     </p:extLst>
   </p:cSld>
@@ -2195,7 +2196,7 @@
     </p:spTree>
     <p:extLst>
       <p:ext uri="{BB962C8B-B14F-4D97-AF65-F5344CB8AC3E}">
-        <p14:creationId xmlns:p14="http://schemas.microsoft.com/office/powerpoint/2010/main" val="1235592602"/>
+        <p14:creationId xmlns:p14="http://schemas.microsoft.com/office/powerpoint/2010/main" val="2086385879"/>
       </p:ext>
     </p:extLst>
   </p:cSld>
@@ -2279,7 +2280,7 @@
     </p:spTree>
     <p:extLst>
       <p:ext uri="{BB962C8B-B14F-4D97-AF65-F5344CB8AC3E}">
-        <p14:creationId xmlns:p14="http://schemas.microsoft.com/office/powerpoint/2010/main" val="2819005300"/>
+        <p14:creationId xmlns:p14="http://schemas.microsoft.com/office/powerpoint/2010/main" val="1235592602"/>
       </p:ext>
     </p:extLst>
   </p:cSld>
@@ -2363,7 +2364,7 @@
     </p:spTree>
     <p:extLst>
       <p:ext uri="{BB962C8B-B14F-4D97-AF65-F5344CB8AC3E}">
-        <p14:creationId xmlns:p14="http://schemas.microsoft.com/office/powerpoint/2010/main" val="1336205328"/>
+        <p14:creationId xmlns:p14="http://schemas.microsoft.com/office/powerpoint/2010/main" val="2819005300"/>
       </p:ext>
     </p:extLst>
   </p:cSld>
@@ -2447,7 +2448,7 @@
     </p:spTree>
     <p:extLst>
       <p:ext uri="{BB962C8B-B14F-4D97-AF65-F5344CB8AC3E}">
-        <p14:creationId xmlns:p14="http://schemas.microsoft.com/office/powerpoint/2010/main" val="2092627322"/>
+        <p14:creationId xmlns:p14="http://schemas.microsoft.com/office/powerpoint/2010/main" val="1336205328"/>
       </p:ext>
     </p:extLst>
   </p:cSld>
@@ -2523,6 +2524,90 @@
             <a:fld id="{F5D97377-8615-40E2-AA20-5EAD8051D528}" type="slidenum">
               <a:rPr lang="en-US" smtClean="0"/>
               <a:t>26</a:t>
+            </a:fld>
+            <a:endParaRPr lang="en-US"/>
+          </a:p>
+        </p:txBody>
+      </p:sp>
+    </p:spTree>
+    <p:extLst>
+      <p:ext uri="{BB962C8B-B14F-4D97-AF65-F5344CB8AC3E}">
+        <p14:creationId xmlns:p14="http://schemas.microsoft.com/office/powerpoint/2010/main" val="2092627322"/>
+      </p:ext>
+    </p:extLst>
+  </p:cSld>
+  <p:clrMapOvr>
+    <a:masterClrMapping/>
+  </p:clrMapOvr>
+</p:notes>
+</file>
+
+<file path=ppt/notesSlides/notesSlide27.xml><?xml version="1.0" encoding="utf-8"?>
+<p:notes xmlns:a="http://schemas.openxmlformats.org/drawingml/2006/main" xmlns:r="http://schemas.openxmlformats.org/officeDocument/2006/relationships" xmlns:p="http://schemas.openxmlformats.org/presentationml/2006/main">
+  <p:cSld>
+    <p:spTree>
+      <p:nvGrpSpPr>
+        <p:cNvPr id="1" name=""/>
+        <p:cNvGrpSpPr/>
+        <p:nvPr/>
+      </p:nvGrpSpPr>
+      <p:grpSpPr>
+        <a:xfrm>
+          <a:off x="0" y="0"/>
+          <a:ext cx="0" cy="0"/>
+          <a:chOff x="0" y="0"/>
+          <a:chExt cx="0" cy="0"/>
+        </a:xfrm>
+      </p:grpSpPr>
+      <p:sp>
+        <p:nvSpPr>
+          <p:cNvPr id="2" name="Slide Image Placeholder 1"/>
+          <p:cNvSpPr>
+            <a:spLocks noGrp="1" noRot="1" noChangeAspect="1"/>
+          </p:cNvSpPr>
+          <p:nvPr>
+            <p:ph type="sldImg"/>
+          </p:nvPr>
+        </p:nvSpPr>
+        <p:spPr/>
+      </p:sp>
+      <p:sp>
+        <p:nvSpPr>
+          <p:cNvPr id="3" name="Notes Placeholder 2"/>
+          <p:cNvSpPr>
+            <a:spLocks noGrp="1"/>
+          </p:cNvSpPr>
+          <p:nvPr>
+            <p:ph type="body" idx="1"/>
+          </p:nvPr>
+        </p:nvSpPr>
+        <p:spPr/>
+        <p:txBody>
+          <a:bodyPr/>
+          <a:lstStyle/>
+          <a:p>
+            <a:endParaRPr lang="en-US"/>
+          </a:p>
+        </p:txBody>
+      </p:sp>
+      <p:sp>
+        <p:nvSpPr>
+          <p:cNvPr id="4" name="Slide Number Placeholder 3"/>
+          <p:cNvSpPr>
+            <a:spLocks noGrp="1"/>
+          </p:cNvSpPr>
+          <p:nvPr>
+            <p:ph type="sldNum" sz="quarter" idx="10"/>
+          </p:nvPr>
+        </p:nvSpPr>
+        <p:spPr/>
+        <p:txBody>
+          <a:bodyPr/>
+          <a:lstStyle/>
+          <a:p>
+            <a:fld id="{F5D97377-8615-40E2-AA20-5EAD8051D528}" type="slidenum">
+              <a:rPr lang="en-US" smtClean="0"/>
+              <a:t>27</a:t>
             </a:fld>
             <a:endParaRPr lang="en-US"/>
           </a:p>
@@ -10189,7 +10274,7 @@
 </file>
 
 <file path=ppt/slides/slide10.xml><?xml version="1.0" encoding="utf-8"?>
-<p:sld xmlns:a="http://schemas.openxmlformats.org/drawingml/2006/main" xmlns:r="http://schemas.openxmlformats.org/officeDocument/2006/relationships" xmlns:p="http://schemas.openxmlformats.org/presentationml/2006/main" show="0">
+<p:sld xmlns:a="http://schemas.openxmlformats.org/drawingml/2006/main" xmlns:r="http://schemas.openxmlformats.org/officeDocument/2006/relationships" xmlns:p="http://schemas.openxmlformats.org/presentationml/2006/main">
   <p:cSld>
     <p:spTree>
       <p:nvGrpSpPr>
@@ -10612,42 +10697,6 @@
           </a:prstGeom>
         </p:spPr>
       </p:pic>
-      <p:pic>
-        <p:nvPicPr>
-          <p:cNvPr id="21" name="Picture 20" descr="A close up of a logo&#10;&#10;Description generated with high confidence">
-            <a:extLst>
-              <a:ext uri="{FF2B5EF4-FFF2-40B4-BE49-F238E27FC236}">
-                <a16:creationId xmlns:a16="http://schemas.microsoft.com/office/drawing/2014/main" id="{A1A93AD7-FDB1-4CFD-8398-3C4726B42BF0}"/>
-              </a:ext>
-            </a:extLst>
-          </p:cNvPr>
-          <p:cNvPicPr>
-            <a:picLocks noChangeAspect="1"/>
-          </p:cNvPicPr>
-          <p:nvPr/>
-        </p:nvPicPr>
-        <p:blipFill>
-          <a:blip r:embed="rId3">
-            <a:extLst>
-              <a:ext uri="{28A0092B-C50C-407E-A947-70E740481C1C}">
-                <a14:useLocalDpi xmlns:a14="http://schemas.microsoft.com/office/drawing/2010/main" val="0"/>
-              </a:ext>
-            </a:extLst>
-          </a:blip>
-          <a:stretch>
-            <a:fillRect/>
-          </a:stretch>
-        </p:blipFill>
-        <p:spPr>
-          <a:xfrm>
-            <a:off x="3782430" y="4715008"/>
-            <a:ext cx="375648" cy="308143"/>
-          </a:xfrm>
-          <a:prstGeom prst="rect">
-            <a:avLst/>
-          </a:prstGeom>
-        </p:spPr>
-      </p:pic>
       <p:sp>
         <p:nvSpPr>
           <p:cNvPr id="19" name="Arrow: Left-Right 18">
@@ -10730,7 +10779,7 @@
         </p:blipFill>
         <p:spPr>
           <a:xfrm>
-            <a:off x="522637" y="1908997"/>
+            <a:off x="385198" y="1923120"/>
             <a:ext cx="375648" cy="308143"/>
           </a:xfrm>
           <a:prstGeom prst="rect">
@@ -10805,86 +10854,6 @@
           <a:xfrm>
             <a:off x="1028465" y="4708408"/>
             <a:ext cx="397778" cy="308143"/>
-          </a:xfrm>
-          <a:prstGeom prst="rect">
-            <a:avLst/>
-          </a:prstGeom>
-          <a:solidFill>
-            <a:schemeClr val="bg1"/>
-          </a:solidFill>
-        </p:spPr>
-      </p:pic>
-      <p:pic>
-        <p:nvPicPr>
-          <p:cNvPr id="29" name="Picture 2" descr="Image result for python">
-            <a:extLst>
-              <a:ext uri="{FF2B5EF4-FFF2-40B4-BE49-F238E27FC236}">
-                <a16:creationId xmlns:a16="http://schemas.microsoft.com/office/drawing/2014/main" id="{31743FE5-2FB3-41BE-85D4-795CD44B2D11}"/>
-              </a:ext>
-            </a:extLst>
-          </p:cNvPr>
-          <p:cNvPicPr>
-            <a:picLocks noChangeAspect="1" noChangeArrowheads="1"/>
-          </p:cNvPicPr>
-          <p:nvPr/>
-        </p:nvPicPr>
-        <p:blipFill>
-          <a:blip r:embed="rId4">
-            <a:extLst>
-              <a:ext uri="{28A0092B-C50C-407E-A947-70E740481C1C}">
-                <a14:useLocalDpi xmlns:a14="http://schemas.microsoft.com/office/drawing/2010/main" val="0"/>
-              </a:ext>
-            </a:extLst>
-          </a:blip>
-          <a:srcRect/>
-          <a:stretch>
-            <a:fillRect/>
-          </a:stretch>
-        </p:blipFill>
-        <p:spPr bwMode="auto">
-          <a:xfrm>
-            <a:off x="1774573" y="1909874"/>
-            <a:ext cx="368523" cy="308143"/>
-          </a:xfrm>
-          <a:prstGeom prst="rect">
-            <a:avLst/>
-          </a:prstGeom>
-          <a:solidFill>
-            <a:schemeClr val="bg1"/>
-          </a:solidFill>
-        </p:spPr>
-      </p:pic>
-      <p:pic>
-        <p:nvPicPr>
-          <p:cNvPr id="30" name="Picture 2" descr="Image result for python">
-            <a:extLst>
-              <a:ext uri="{FF2B5EF4-FFF2-40B4-BE49-F238E27FC236}">
-                <a16:creationId xmlns:a16="http://schemas.microsoft.com/office/drawing/2014/main" id="{ECCBAC94-EC2E-4CBB-909D-3E496C9619BE}"/>
-              </a:ext>
-            </a:extLst>
-          </p:cNvPr>
-          <p:cNvPicPr>
-            <a:picLocks noChangeAspect="1" noChangeArrowheads="1"/>
-          </p:cNvPicPr>
-          <p:nvPr/>
-        </p:nvPicPr>
-        <p:blipFill>
-          <a:blip r:embed="rId4">
-            <a:extLst>
-              <a:ext uri="{28A0092B-C50C-407E-A947-70E740481C1C}">
-                <a14:useLocalDpi xmlns:a14="http://schemas.microsoft.com/office/drawing/2010/main" val="0"/>
-              </a:ext>
-            </a:extLst>
-          </a:blip>
-          <a:srcRect/>
-          <a:stretch>
-            <a:fillRect/>
-          </a:stretch>
-        </p:blipFill>
-        <p:spPr bwMode="auto">
-          <a:xfrm>
-            <a:off x="4251217" y="4732608"/>
-            <a:ext cx="368523" cy="308143"/>
           </a:xfrm>
           <a:prstGeom prst="rect">
             <a:avLst/>
@@ -11000,46 +10969,6 @@
         <p:spPr bwMode="auto">
           <a:xfrm>
             <a:off x="11297408" y="4649035"/>
-            <a:ext cx="368523" cy="308143"/>
-          </a:xfrm>
-          <a:prstGeom prst="rect">
-            <a:avLst/>
-          </a:prstGeom>
-          <a:solidFill>
-            <a:schemeClr val="bg1"/>
-          </a:solidFill>
-        </p:spPr>
-      </p:pic>
-      <p:pic>
-        <p:nvPicPr>
-          <p:cNvPr id="35" name="Picture 2" descr="Image result for python">
-            <a:extLst>
-              <a:ext uri="{FF2B5EF4-FFF2-40B4-BE49-F238E27FC236}">
-                <a16:creationId xmlns:a16="http://schemas.microsoft.com/office/drawing/2014/main" id="{0DBE3ACB-C91C-4DCB-B02E-70B9ED794782}"/>
-              </a:ext>
-            </a:extLst>
-          </p:cNvPr>
-          <p:cNvPicPr>
-            <a:picLocks noChangeAspect="1" noChangeArrowheads="1"/>
-          </p:cNvPicPr>
-          <p:nvPr/>
-        </p:nvPicPr>
-        <p:blipFill>
-          <a:blip r:embed="rId4">
-            <a:extLst>
-              <a:ext uri="{28A0092B-C50C-407E-A947-70E740481C1C}">
-                <a14:useLocalDpi xmlns:a14="http://schemas.microsoft.com/office/drawing/2010/main" val="0"/>
-              </a:ext>
-            </a:extLst>
-          </a:blip>
-          <a:srcRect/>
-          <a:stretch>
-            <a:fillRect/>
-          </a:stretch>
-        </p:blipFill>
-        <p:spPr bwMode="auto">
-          <a:xfrm>
-            <a:off x="2508286" y="1925603"/>
             <a:ext cx="368523" cy="308143"/>
           </a:xfrm>
           <a:prstGeom prst="rect">
@@ -11180,42 +11109,6 @@
           </a:p>
         </p:txBody>
       </p:sp>
-      <p:pic>
-        <p:nvPicPr>
-          <p:cNvPr id="37" name="Picture 36" descr="A close up of a logo&#10;&#10;Description generated with high confidence">
-            <a:extLst>
-              <a:ext uri="{FF2B5EF4-FFF2-40B4-BE49-F238E27FC236}">
-                <a16:creationId xmlns:a16="http://schemas.microsoft.com/office/drawing/2014/main" id="{5A1A9B36-B8AF-43EE-8015-9B25EF5DB807}"/>
-              </a:ext>
-            </a:extLst>
-          </p:cNvPr>
-          <p:cNvPicPr>
-            <a:picLocks noChangeAspect="1"/>
-          </p:cNvPicPr>
-          <p:nvPr/>
-        </p:nvPicPr>
-        <p:blipFill>
-          <a:blip r:embed="rId3">
-            <a:extLst>
-              <a:ext uri="{28A0092B-C50C-407E-A947-70E740481C1C}">
-                <a14:useLocalDpi xmlns:a14="http://schemas.microsoft.com/office/drawing/2010/main" val="0"/>
-              </a:ext>
-            </a:extLst>
-          </a:blip>
-          <a:stretch>
-            <a:fillRect/>
-          </a:stretch>
-        </p:blipFill>
-        <p:spPr>
-          <a:xfrm>
-            <a:off x="6488462" y="4720851"/>
-            <a:ext cx="407697" cy="308143"/>
-          </a:xfrm>
-          <a:prstGeom prst="rect">
-            <a:avLst/>
-          </a:prstGeom>
-        </p:spPr>
-      </p:pic>
       <p:sp>
         <p:nvSpPr>
           <p:cNvPr id="6" name="TextBox 5">
@@ -11344,75 +11237,6 @@
       </p:pic>
       <p:pic>
         <p:nvPicPr>
-          <p:cNvPr id="4" name="Picture 3">
-            <a:extLst>
-              <a:ext uri="{FF2B5EF4-FFF2-40B4-BE49-F238E27FC236}">
-                <a16:creationId xmlns:a16="http://schemas.microsoft.com/office/drawing/2014/main" id="{D2A2B600-FAE3-4BDE-ADD5-42C5BB650197}"/>
-              </a:ext>
-            </a:extLst>
-          </p:cNvPr>
-          <p:cNvPicPr>
-            <a:picLocks noChangeAspect="1"/>
-          </p:cNvPicPr>
-          <p:nvPr/>
-        </p:nvPicPr>
-        <p:blipFill>
-          <a:blip r:embed="rId8"/>
-          <a:stretch>
-            <a:fillRect/>
-          </a:stretch>
-        </p:blipFill>
-        <p:spPr>
-          <a:xfrm>
-            <a:off x="2325190" y="1229099"/>
-            <a:ext cx="659888" cy="654812"/>
-          </a:xfrm>
-          <a:prstGeom prst="rect">
-            <a:avLst/>
-          </a:prstGeom>
-        </p:spPr>
-      </p:pic>
-      <p:sp>
-        <p:nvSpPr>
-          <p:cNvPr id="9" name="TextBox 8">
-            <a:extLst>
-              <a:ext uri="{FF2B5EF4-FFF2-40B4-BE49-F238E27FC236}">
-                <a16:creationId xmlns:a16="http://schemas.microsoft.com/office/drawing/2014/main" id="{6C7F017D-F83F-4F88-8A8F-D6BE3DA975CC}"/>
-              </a:ext>
-            </a:extLst>
-          </p:cNvPr>
-          <p:cNvSpPr txBox="1"/>
-          <p:nvPr/>
-        </p:nvSpPr>
-        <p:spPr>
-          <a:xfrm>
-            <a:off x="2200690" y="1004741"/>
-            <a:ext cx="931665" cy="215444"/>
-          </a:xfrm>
-          <a:prstGeom prst="rect">
-            <a:avLst/>
-          </a:prstGeom>
-          <a:noFill/>
-        </p:spPr>
-        <p:txBody>
-          <a:bodyPr wrap="none" rtlCol="0">
-            <a:spAutoFit/>
-          </a:bodyPr>
-          <a:lstStyle/>
-          <a:p>
-            <a:r>
-              <a:rPr lang="en-US" sz="800" dirty="0">
-                <a:solidFill>
-                  <a:schemeClr val="bg1"/>
-                </a:solidFill>
-              </a:rPr>
-              <a:t>ML Workbench</a:t>
-            </a:r>
-          </a:p>
-        </p:txBody>
-      </p:sp>
-      <p:pic>
-        <p:nvPicPr>
           <p:cNvPr id="1030" name="Picture 6" descr="See the source image">
             <a:extLst>
               <a:ext uri="{FF2B5EF4-FFF2-40B4-BE49-F238E27FC236}">
@@ -11426,7 +11250,7 @@
           <p:nvPr/>
         </p:nvPicPr>
         <p:blipFill>
-          <a:blip r:embed="rId9">
+          <a:blip r:embed="rId8">
             <a:extLst>
               <a:ext uri="{28A0092B-C50C-407E-A947-70E740481C1C}">
                 <a14:useLocalDpi xmlns:a14="http://schemas.microsoft.com/office/drawing/2010/main" val="0"/>
@@ -11473,7 +11297,7 @@
           <p:nvPr/>
         </p:nvPicPr>
         <p:blipFill>
-          <a:blip r:embed="rId10">
+          <a:blip r:embed="rId9">
             <a:extLst>
               <a:ext uri="{28A0092B-C50C-407E-A947-70E740481C1C}">
                 <a14:useLocalDpi xmlns:a14="http://schemas.microsoft.com/office/drawing/2010/main" val="0"/>
@@ -11487,7 +11311,7 @@
         </p:blipFill>
         <p:spPr bwMode="auto">
           <a:xfrm>
-            <a:off x="2265662" y="3516160"/>
+            <a:off x="2483569" y="3540251"/>
             <a:ext cx="1245251" cy="704192"/>
           </a:xfrm>
           <a:prstGeom prst="rect">
@@ -11519,7 +11343,7 @@
         </p:nvSpPr>
         <p:spPr>
           <a:xfrm>
-            <a:off x="2208803" y="4287330"/>
+            <a:off x="2439574" y="4296916"/>
             <a:ext cx="1399742" cy="276999"/>
           </a:xfrm>
           <a:prstGeom prst="rect">
@@ -11546,10 +11370,10 @@
       </p:sp>
       <p:pic>
         <p:nvPicPr>
-          <p:cNvPr id="1034" name="Picture 10" descr="See the source image">
+          <p:cNvPr id="1036" name="Picture 12" descr="See the source image">
             <a:extLst>
               <a:ext uri="{FF2B5EF4-FFF2-40B4-BE49-F238E27FC236}">
-                <a16:creationId xmlns:a16="http://schemas.microsoft.com/office/drawing/2014/main" id="{E5B11D79-45DF-4F6E-A9DB-02403DA50197}"/>
+                <a16:creationId xmlns:a16="http://schemas.microsoft.com/office/drawing/2014/main" id="{AB0A0120-F008-4E00-A478-66FFFB79E430}"/>
               </a:ext>
             </a:extLst>
           </p:cNvPr>
@@ -11559,7 +11383,7 @@
           <p:nvPr/>
         </p:nvPicPr>
         <p:blipFill>
-          <a:blip r:embed="rId11">
+          <a:blip r:embed="rId10">
             <a:extLst>
               <a:ext uri="{28A0092B-C50C-407E-A947-70E740481C1C}">
                 <a14:useLocalDpi xmlns:a14="http://schemas.microsoft.com/office/drawing/2010/main" val="0"/>
@@ -11573,99 +11397,8 @@
         </p:blipFill>
         <p:spPr bwMode="auto">
           <a:xfrm>
-            <a:off x="3795417" y="3521161"/>
-            <a:ext cx="713583" cy="713583"/>
-          </a:xfrm>
-          <a:prstGeom prst="rect">
-            <a:avLst/>
-          </a:prstGeom>
-          <a:solidFill>
-            <a:schemeClr val="bg1"/>
-          </a:solidFill>
-        </p:spPr>
-      </p:pic>
-      <p:sp>
-        <p:nvSpPr>
-          <p:cNvPr id="45" name="TextBox 44">
-            <a:extLst>
-              <a:ext uri="{FF2B5EF4-FFF2-40B4-BE49-F238E27FC236}">
-                <a16:creationId xmlns:a16="http://schemas.microsoft.com/office/drawing/2014/main" id="{CC54561C-409B-4AAC-9503-F353C3D975C8}"/>
-              </a:ext>
-            </a:extLst>
-          </p:cNvPr>
-          <p:cNvSpPr txBox="1"/>
-          <p:nvPr/>
-        </p:nvSpPr>
-        <p:spPr>
-          <a:xfrm>
-            <a:off x="3663505" y="4271756"/>
-            <a:ext cx="958917" cy="461665"/>
-          </a:xfrm>
-          <a:prstGeom prst="rect">
-            <a:avLst/>
-          </a:prstGeom>
-          <a:noFill/>
-        </p:spPr>
-        <p:txBody>
-          <a:bodyPr wrap="none" rtlCol="0">
-            <a:spAutoFit/>
-          </a:bodyPr>
-          <a:lstStyle/>
-          <a:p>
-            <a:pPr algn="ctr"/>
-            <a:r>
-              <a:rPr lang="en-US" sz="1200" dirty="0">
-                <a:solidFill>
-                  <a:schemeClr val="bg1"/>
-                </a:solidFill>
-              </a:rPr>
-              <a:t>Data Lake</a:t>
-            </a:r>
-          </a:p>
-          <a:p>
-            <a:pPr algn="ctr"/>
-            <a:r>
-              <a:rPr lang="en-US" sz="1200" dirty="0">
-                <a:solidFill>
-                  <a:schemeClr val="bg1"/>
-                </a:solidFill>
-              </a:rPr>
-              <a:t>Analytics</a:t>
-            </a:r>
-          </a:p>
-        </p:txBody>
-      </p:sp>
-      <p:pic>
-        <p:nvPicPr>
-          <p:cNvPr id="1036" name="Picture 12" descr="See the source image">
-            <a:extLst>
-              <a:ext uri="{FF2B5EF4-FFF2-40B4-BE49-F238E27FC236}">
-                <a16:creationId xmlns:a16="http://schemas.microsoft.com/office/drawing/2014/main" id="{AB0A0120-F008-4E00-A478-66FFFB79E430}"/>
-              </a:ext>
-            </a:extLst>
-          </p:cNvPr>
-          <p:cNvPicPr>
-            <a:picLocks noChangeAspect="1" noChangeArrowheads="1"/>
-          </p:cNvPicPr>
-          <p:nvPr/>
-        </p:nvPicPr>
-        <p:blipFill>
-          <a:blip r:embed="rId12">
-            <a:extLst>
-              <a:ext uri="{28A0092B-C50C-407E-A947-70E740481C1C}">
-                <a14:useLocalDpi xmlns:a14="http://schemas.microsoft.com/office/drawing/2010/main" val="0"/>
-              </a:ext>
-            </a:extLst>
-          </a:blip>
-          <a:srcRect/>
-          <a:stretch>
-            <a:fillRect/>
-          </a:stretch>
-        </p:blipFill>
-        <p:spPr bwMode="auto">
-          <a:xfrm>
-            <a:off x="4838815" y="3485831"/>
-            <a:ext cx="1315497" cy="688276"/>
+            <a:off x="5901345" y="3555587"/>
+            <a:ext cx="1373486" cy="718616"/>
           </a:xfrm>
           <a:prstGeom prst="rect">
             <a:avLst/>
@@ -11696,7 +11429,7 @@
         </p:nvSpPr>
         <p:spPr>
           <a:xfrm>
-            <a:off x="4629585" y="4284700"/>
+            <a:off x="5729372" y="4353688"/>
             <a:ext cx="1778051" cy="276999"/>
           </a:xfrm>
           <a:prstGeom prst="rect">
@@ -11737,7 +11470,7 @@
           <p:nvPr/>
         </p:nvPicPr>
         <p:blipFill>
-          <a:blip r:embed="rId13">
+          <a:blip r:embed="rId11">
             <a:extLst>
               <a:ext uri="{28A0092B-C50C-407E-A947-70E740481C1C}">
                 <a14:useLocalDpi xmlns:a14="http://schemas.microsoft.com/office/drawing/2010/main" val="0"/>
@@ -11751,7 +11484,7 @@
         </p:blipFill>
         <p:spPr bwMode="auto">
           <a:xfrm>
-            <a:off x="6639908" y="3504893"/>
+            <a:off x="4219634" y="3533441"/>
             <a:ext cx="786231" cy="786231"/>
           </a:xfrm>
           <a:prstGeom prst="rect">
@@ -11783,7 +11516,7 @@
         </p:nvSpPr>
         <p:spPr>
           <a:xfrm>
-            <a:off x="6336697" y="4274965"/>
+            <a:off x="3802398" y="4381729"/>
             <a:ext cx="1693092" cy="461665"/>
           </a:xfrm>
           <a:prstGeom prst="rect">
@@ -11820,51 +11553,6 @@
           </a:p>
         </p:txBody>
       </p:sp>
-      <p:sp>
-        <p:nvSpPr>
-          <p:cNvPr id="16" name="Rectangle 15">
-            <a:extLst>
-              <a:ext uri="{FF2B5EF4-FFF2-40B4-BE49-F238E27FC236}">
-                <a16:creationId xmlns:a16="http://schemas.microsoft.com/office/drawing/2014/main" id="{5F8C4402-76F7-4B13-9C6B-679B00292C92}"/>
-              </a:ext>
-            </a:extLst>
-          </p:cNvPr>
-          <p:cNvSpPr/>
-          <p:nvPr/>
-        </p:nvSpPr>
-        <p:spPr>
-          <a:xfrm>
-            <a:off x="6834167" y="4732355"/>
-            <a:ext cx="891591" cy="276999"/>
-          </a:xfrm>
-          <a:prstGeom prst="rect">
-            <a:avLst/>
-          </a:prstGeom>
-        </p:spPr>
-        <p:txBody>
-          <a:bodyPr wrap="none">
-            <a:spAutoFit/>
-          </a:bodyPr>
-          <a:lstStyle/>
-          <a:p>
-            <a:r>
-              <a:rPr lang="en-US" sz="1200" dirty="0">
-                <a:solidFill>
-                  <a:schemeClr val="bg1"/>
-                </a:solidFill>
-                <a:latin typeface="Arial" panose="020B0604020202020204" pitchFamily="34" charset="0"/>
-                <a:cs typeface="Arial" panose="020B0604020202020204" pitchFamily="34" charset="0"/>
-              </a:rPr>
-              <a:t> * Planned</a:t>
-            </a:r>
-            <a:endParaRPr lang="en-US" sz="1200" dirty="0">
-              <a:solidFill>
-                <a:schemeClr val="bg1"/>
-              </a:solidFill>
-            </a:endParaRPr>
-          </a:p>
-        </p:txBody>
-      </p:sp>
       <p:pic>
         <p:nvPicPr>
           <p:cNvPr id="1040" name="Picture 16" descr="See the source image">
@@ -11880,7 +11568,7 @@
           <p:nvPr/>
         </p:nvPicPr>
         <p:blipFill>
-          <a:blip r:embed="rId14">
+          <a:blip r:embed="rId12">
             <a:extLst>
               <a:ext uri="{28A0092B-C50C-407E-A947-70E740481C1C}">
                 <a14:useLocalDpi xmlns:a14="http://schemas.microsoft.com/office/drawing/2010/main" val="0"/>
@@ -11960,7 +11648,7 @@
           <p:nvPr/>
         </p:nvPicPr>
         <p:blipFill>
-          <a:blip r:embed="rId15">
+          <a:blip r:embed="rId13">
             <a:extLst>
               <a:ext uri="{28A0092B-C50C-407E-A947-70E740481C1C}">
                 <a14:useLocalDpi xmlns:a14="http://schemas.microsoft.com/office/drawing/2010/main" val="0"/>
@@ -12047,7 +11735,7 @@
           <p:nvPr/>
         </p:nvPicPr>
         <p:blipFill>
-          <a:blip r:embed="rId16">
+          <a:blip r:embed="rId14">
             <a:extLst>
               <a:ext uri="{28A0092B-C50C-407E-A947-70E740481C1C}">
                 <a14:useLocalDpi xmlns:a14="http://schemas.microsoft.com/office/drawing/2010/main" val="0"/>
@@ -12176,8 +11864,8 @@
         </p:nvCxnSpPr>
         <p:spPr>
           <a:xfrm>
-            <a:off x="1028465" y="2208100"/>
-            <a:ext cx="1418644" cy="1180206"/>
+            <a:off x="1004121" y="2175222"/>
+            <a:ext cx="1662401" cy="1326939"/>
           </a:xfrm>
           <a:prstGeom prst="straightConnector1">
             <a:avLst/>
@@ -12228,7 +11916,7 @@
           </a:prstGeom>
           <a:ln w="9525" cap="flat" cmpd="sng" algn="ctr">
             <a:solidFill>
-              <a:schemeClr val="accent4"/>
+              <a:schemeClr val="bg1"/>
             </a:solidFill>
             <a:prstDash val="dash"/>
             <a:round/>
@@ -12251,46 +11939,6 @@
           </a:fontRef>
         </p:style>
       </p:cxnSp>
-      <p:sp>
-        <p:nvSpPr>
-          <p:cNvPr id="69" name="TextBox 68">
-            <a:extLst>
-              <a:ext uri="{FF2B5EF4-FFF2-40B4-BE49-F238E27FC236}">
-                <a16:creationId xmlns:a16="http://schemas.microsoft.com/office/drawing/2014/main" id="{17E924B4-E2BA-404B-ADB0-6D41CF6F521F}"/>
-              </a:ext>
-            </a:extLst>
-          </p:cNvPr>
-          <p:cNvSpPr txBox="1"/>
-          <p:nvPr/>
-        </p:nvSpPr>
-        <p:spPr>
-          <a:xfrm>
-            <a:off x="10636455" y="3083542"/>
-            <a:ext cx="968535" cy="276999"/>
-          </a:xfrm>
-          <a:prstGeom prst="rect">
-            <a:avLst/>
-          </a:prstGeom>
-          <a:noFill/>
-        </p:spPr>
-        <p:txBody>
-          <a:bodyPr wrap="none" rtlCol="0">
-            <a:spAutoFit/>
-          </a:bodyPr>
-          <a:lstStyle/>
-          <a:p>
-            <a:pPr algn="ctr"/>
-            <a:r>
-              <a:rPr lang="en-US" sz="1200" dirty="0">
-                <a:solidFill>
-                  <a:schemeClr val="bg1"/>
-                </a:solidFill>
-              </a:rPr>
-              <a:t>GA 3/2018</a:t>
-            </a:r>
-          </a:p>
-        </p:txBody>
-      </p:sp>
       <p:pic>
         <p:nvPicPr>
           <p:cNvPr id="1046" name="Picture 22" descr="See the source image">
@@ -12306,7 +11954,7 @@
           <p:nvPr/>
         </p:nvPicPr>
         <p:blipFill>
-          <a:blip r:embed="rId17">
+          <a:blip r:embed="rId15">
             <a:extLst>
               <a:ext uri="{28A0092B-C50C-407E-A947-70E740481C1C}">
                 <a14:useLocalDpi xmlns:a14="http://schemas.microsoft.com/office/drawing/2010/main" val="0"/>
@@ -12404,7 +12052,7 @@
           <p:nvPr/>
         </p:nvPicPr>
         <p:blipFill>
-          <a:blip r:embed="rId18">
+          <a:blip r:embed="rId16">
             <a:extLst>
               <a:ext uri="{28A0092B-C50C-407E-A947-70E740481C1C}">
                 <a14:useLocalDpi xmlns:a14="http://schemas.microsoft.com/office/drawing/2010/main" val="0"/>
@@ -12535,15 +12183,15 @@
           <p:nvPr/>
         </p:nvPicPr>
         <p:blipFill>
-          <a:blip r:embed="rId19"/>
+          <a:blip r:embed="rId17"/>
           <a:stretch>
             <a:fillRect/>
           </a:stretch>
         </p:blipFill>
         <p:spPr>
           <a:xfrm>
-            <a:off x="3260341" y="1201167"/>
-            <a:ext cx="793069" cy="696745"/>
+            <a:off x="3302639" y="1206581"/>
+            <a:ext cx="745338" cy="654811"/>
           </a:xfrm>
           <a:prstGeom prst="rect">
             <a:avLst/>
@@ -12562,13 +12210,15 @@
               </a:ext>
             </a:extLst>
           </p:cNvPr>
-          <p:cNvCxnSpPr/>
+          <p:cNvCxnSpPr>
+            <a:cxnSpLocks/>
+          </p:cNvCxnSpPr>
           <p:nvPr/>
         </p:nvCxnSpPr>
         <p:spPr>
           <a:xfrm flipH="1">
-            <a:off x="2876809" y="2012954"/>
-            <a:ext cx="824331" cy="1375352"/>
+            <a:off x="3260341" y="2012954"/>
+            <a:ext cx="440800" cy="1477179"/>
           </a:xfrm>
           <a:prstGeom prst="straightConnector1">
             <a:avLst/>
@@ -12609,8 +12259,8 @@
         </p:nvSpPr>
         <p:spPr>
           <a:xfrm>
-            <a:off x="4690444" y="4542208"/>
-            <a:ext cx="1763624" cy="230832"/>
+            <a:off x="5735351" y="4571738"/>
+            <a:ext cx="1922321" cy="261610"/>
           </a:xfrm>
           <a:prstGeom prst="rect">
             <a:avLst/>
@@ -12624,7 +12274,7 @@
           <a:lstStyle/>
           <a:p>
             <a:r>
-              <a:rPr lang="en-US" sz="900" dirty="0">
+              <a:rPr lang="en-US" sz="1100" dirty="0">
                 <a:solidFill>
                   <a:schemeClr val="bg1"/>
                 </a:solidFill>
@@ -12634,10 +12284,345 @@
           </a:p>
         </p:txBody>
       </p:sp>
+      <p:pic>
+        <p:nvPicPr>
+          <p:cNvPr id="10" name="Picture 9">
+            <a:extLst>
+              <a:ext uri="{FF2B5EF4-FFF2-40B4-BE49-F238E27FC236}">
+                <a16:creationId xmlns:a16="http://schemas.microsoft.com/office/drawing/2014/main" id="{407F4BE1-B2A5-4C2C-B519-202972A4EBD2}"/>
+              </a:ext>
+            </a:extLst>
+          </p:cNvPr>
+          <p:cNvPicPr>
+            <a:picLocks noChangeAspect="1"/>
+          </p:cNvPicPr>
+          <p:nvPr/>
+        </p:nvPicPr>
+        <p:blipFill>
+          <a:blip r:embed="rId18">
+            <a:extLst>
+              <a:ext uri="{28A0092B-C50C-407E-A947-70E740481C1C}">
+                <a14:useLocalDpi xmlns:a14="http://schemas.microsoft.com/office/drawing/2010/main" val="0"/>
+              </a:ext>
+            </a:extLst>
+          </a:blip>
+          <a:stretch>
+            <a:fillRect/>
+          </a:stretch>
+        </p:blipFill>
+        <p:spPr>
+          <a:xfrm>
+            <a:off x="7756856" y="1269808"/>
+            <a:ext cx="780290" cy="780290"/>
+          </a:xfrm>
+          <a:prstGeom prst="rect">
+            <a:avLst/>
+          </a:prstGeom>
+          <a:solidFill>
+            <a:schemeClr val="bg1"/>
+          </a:solidFill>
+        </p:spPr>
+      </p:pic>
+      <p:sp>
+        <p:nvSpPr>
+          <p:cNvPr id="60" name="TextBox 59">
+            <a:extLst>
+              <a:ext uri="{FF2B5EF4-FFF2-40B4-BE49-F238E27FC236}">
+                <a16:creationId xmlns:a16="http://schemas.microsoft.com/office/drawing/2014/main" id="{C362F7E8-AB70-489B-A7CF-474DFBFAD5BD}"/>
+              </a:ext>
+            </a:extLst>
+          </p:cNvPr>
+          <p:cNvSpPr txBox="1"/>
+          <p:nvPr/>
+        </p:nvSpPr>
+        <p:spPr>
+          <a:xfrm>
+            <a:off x="7540281" y="2081689"/>
+            <a:ext cx="1233286" cy="461665"/>
+          </a:xfrm>
+          <a:prstGeom prst="rect">
+            <a:avLst/>
+          </a:prstGeom>
+          <a:noFill/>
+        </p:spPr>
+        <p:txBody>
+          <a:bodyPr wrap="none" rtlCol="0">
+            <a:spAutoFit/>
+          </a:bodyPr>
+          <a:lstStyle/>
+          <a:p>
+            <a:pPr algn="ctr"/>
+            <a:r>
+              <a:rPr lang="en-US" sz="1200" dirty="0">
+                <a:solidFill>
+                  <a:schemeClr val="bg1"/>
+                </a:solidFill>
+              </a:rPr>
+              <a:t>Azure Cognitive</a:t>
+            </a:r>
+          </a:p>
+          <a:p>
+            <a:pPr algn="ctr"/>
+            <a:r>
+              <a:rPr lang="en-US" sz="1200" dirty="0">
+                <a:solidFill>
+                  <a:schemeClr val="bg1"/>
+                </a:solidFill>
+              </a:rPr>
+              <a:t>Services</a:t>
+            </a:r>
+          </a:p>
+        </p:txBody>
+      </p:sp>
+      <p:sp>
+        <p:nvSpPr>
+          <p:cNvPr id="13" name="Oval 12">
+            <a:extLst>
+              <a:ext uri="{FF2B5EF4-FFF2-40B4-BE49-F238E27FC236}">
+                <a16:creationId xmlns:a16="http://schemas.microsoft.com/office/drawing/2014/main" id="{67C44F1C-0553-4959-9150-A51A975F39B6}"/>
+              </a:ext>
+            </a:extLst>
+          </p:cNvPr>
+          <p:cNvSpPr/>
+          <p:nvPr/>
+        </p:nvSpPr>
+        <p:spPr bwMode="auto">
+          <a:xfrm>
+            <a:off x="9116176" y="5294291"/>
+            <a:ext cx="1751178" cy="831890"/>
+          </a:xfrm>
+          <a:prstGeom prst="ellipse">
+            <a:avLst/>
+          </a:prstGeom>
+          <a:solidFill>
+            <a:schemeClr val="tx2"/>
+          </a:solidFill>
+          <a:ln>
+            <a:noFill/>
+            <a:headEnd type="none" w="med" len="med"/>
+            <a:tailEnd type="none" w="med" len="med"/>
+          </a:ln>
+          <a:effectLst/>
+        </p:spPr>
+        <p:style>
+          <a:lnRef idx="1">
+            <a:schemeClr val="accent2"/>
+          </a:lnRef>
+          <a:fillRef idx="3">
+            <a:schemeClr val="accent2"/>
+          </a:fillRef>
+          <a:effectRef idx="2">
+            <a:schemeClr val="accent2"/>
+          </a:effectRef>
+          <a:fontRef idx="minor">
+            <a:schemeClr val="lt1"/>
+          </a:fontRef>
+        </p:style>
+        <p:txBody>
+          <a:bodyPr rot="0" spcFirstLastPara="0" vertOverflow="overflow" horzOverflow="overflow" vert="horz" wrap="square" lIns="182880" tIns="146304" rIns="182880" bIns="146304" numCol="1" spcCol="0" rtlCol="0" fromWordArt="0" anchor="t" anchorCtr="0" forceAA="0" compatLnSpc="1">
+            <a:prstTxWarp prst="textNoShape">
+              <a:avLst/>
+            </a:prstTxWarp>
+            <a:noAutofit/>
+          </a:bodyPr>
+          <a:lstStyle/>
+          <a:p>
+            <a:pPr algn="ctr" defTabSz="932472" fontAlgn="base">
+              <a:lnSpc>
+                <a:spcPct val="90000"/>
+              </a:lnSpc>
+              <a:spcBef>
+                <a:spcPct val="0"/>
+              </a:spcBef>
+              <a:spcAft>
+                <a:spcPct val="0"/>
+              </a:spcAft>
+            </a:pPr>
+            <a:r>
+              <a:rPr lang="en-US" sz="1200" dirty="0">
+                <a:gradFill>
+                  <a:gsLst>
+                    <a:gs pos="0">
+                      <a:srgbClr val="FFFFFF"/>
+                    </a:gs>
+                    <a:gs pos="100000">
+                      <a:srgbClr val="FFFFFF"/>
+                    </a:gs>
+                  </a:gsLst>
+                  <a:lin ang="5400000" scaled="0"/>
+                </a:gradFill>
+                <a:ea typeface="Segoe UI" pitchFamily="34" charset="0"/>
+                <a:cs typeface="Segoe UI" pitchFamily="34" charset="0"/>
+              </a:rPr>
+              <a:t>Cloudera via Marketplace</a:t>
+            </a:r>
+          </a:p>
+        </p:txBody>
+      </p:sp>
+      <p:cxnSp>
+        <p:nvCxnSpPr>
+          <p:cNvPr id="62" name="Straight Arrow Connector 61">
+            <a:extLst>
+              <a:ext uri="{FF2B5EF4-FFF2-40B4-BE49-F238E27FC236}">
+                <a16:creationId xmlns:a16="http://schemas.microsoft.com/office/drawing/2014/main" id="{CBF4543E-53EB-450D-844A-053373E96A53}"/>
+              </a:ext>
+            </a:extLst>
+          </p:cNvPr>
+          <p:cNvCxnSpPr>
+            <a:cxnSpLocks/>
+          </p:cNvCxnSpPr>
+          <p:nvPr/>
+        </p:nvCxnSpPr>
+        <p:spPr>
+          <a:xfrm>
+            <a:off x="10023483" y="2884612"/>
+            <a:ext cx="959161" cy="599040"/>
+          </a:xfrm>
+          <a:prstGeom prst="straightConnector1">
+            <a:avLst/>
+          </a:prstGeom>
+          <a:ln>
+            <a:solidFill>
+              <a:schemeClr val="bg1"/>
+            </a:solidFill>
+            <a:tailEnd type="triangle"/>
+          </a:ln>
+        </p:spPr>
+        <p:style>
+          <a:lnRef idx="1">
+            <a:schemeClr val="accent1"/>
+          </a:lnRef>
+          <a:fillRef idx="0">
+            <a:schemeClr val="accent1"/>
+          </a:fillRef>
+          <a:effectRef idx="0">
+            <a:schemeClr val="accent1"/>
+          </a:effectRef>
+          <a:fontRef idx="minor">
+            <a:schemeClr val="tx1"/>
+          </a:fontRef>
+        </p:style>
+      </p:cxnSp>
+      <p:pic>
+        <p:nvPicPr>
+          <p:cNvPr id="14" name="Picture 13">
+            <a:extLst>
+              <a:ext uri="{FF2B5EF4-FFF2-40B4-BE49-F238E27FC236}">
+                <a16:creationId xmlns:a16="http://schemas.microsoft.com/office/drawing/2014/main" id="{72884903-596A-4C2E-AF52-970AC6A9A269}"/>
+              </a:ext>
+            </a:extLst>
+          </p:cNvPr>
+          <p:cNvPicPr>
+            <a:picLocks noChangeAspect="1"/>
+          </p:cNvPicPr>
+          <p:nvPr/>
+        </p:nvPicPr>
+        <p:blipFill>
+          <a:blip r:embed="rId19">
+            <a:extLst>
+              <a:ext uri="{28A0092B-C50C-407E-A947-70E740481C1C}">
+                <a14:useLocalDpi xmlns:a14="http://schemas.microsoft.com/office/drawing/2010/main" val="0"/>
+              </a:ext>
+            </a:extLst>
+          </a:blip>
+          <a:stretch>
+            <a:fillRect/>
+          </a:stretch>
+        </p:blipFill>
+        <p:spPr>
+          <a:xfrm>
+            <a:off x="2259958" y="1216153"/>
+            <a:ext cx="813128" cy="609846"/>
+          </a:xfrm>
+          <a:prstGeom prst="rect">
+            <a:avLst/>
+          </a:prstGeom>
+        </p:spPr>
+      </p:pic>
+      <p:pic>
+        <p:nvPicPr>
+          <p:cNvPr id="57" name="Picture 2" descr="Image result for python">
+            <a:extLst>
+              <a:ext uri="{FF2B5EF4-FFF2-40B4-BE49-F238E27FC236}">
+                <a16:creationId xmlns:a16="http://schemas.microsoft.com/office/drawing/2014/main" id="{29AAF267-879E-4531-9B60-69059F2A6EF5}"/>
+              </a:ext>
+            </a:extLst>
+          </p:cNvPr>
+          <p:cNvPicPr>
+            <a:picLocks noChangeAspect="1" noChangeArrowheads="1"/>
+          </p:cNvPicPr>
+          <p:nvPr/>
+        </p:nvPicPr>
+        <p:blipFill>
+          <a:blip r:embed="rId4">
+            <a:extLst>
+              <a:ext uri="{28A0092B-C50C-407E-A947-70E740481C1C}">
+                <a14:useLocalDpi xmlns:a14="http://schemas.microsoft.com/office/drawing/2010/main" val="0"/>
+              </a:ext>
+            </a:extLst>
+          </a:blip>
+          <a:srcRect/>
+          <a:stretch>
+            <a:fillRect/>
+          </a:stretch>
+        </p:blipFill>
+        <p:spPr bwMode="auto">
+          <a:xfrm>
+            <a:off x="1774573" y="1909874"/>
+            <a:ext cx="368523" cy="308143"/>
+          </a:xfrm>
+          <a:prstGeom prst="rect">
+            <a:avLst/>
+          </a:prstGeom>
+          <a:solidFill>
+            <a:schemeClr val="bg1"/>
+          </a:solidFill>
+        </p:spPr>
+      </p:pic>
+      <p:pic>
+        <p:nvPicPr>
+          <p:cNvPr id="63" name="Picture 2" descr="Image result for python">
+            <a:extLst>
+              <a:ext uri="{FF2B5EF4-FFF2-40B4-BE49-F238E27FC236}">
+                <a16:creationId xmlns:a16="http://schemas.microsoft.com/office/drawing/2014/main" id="{AEA50440-9F07-4BB7-B470-FEA46E692C66}"/>
+              </a:ext>
+            </a:extLst>
+          </p:cNvPr>
+          <p:cNvPicPr>
+            <a:picLocks noChangeAspect="1" noChangeArrowheads="1"/>
+          </p:cNvPicPr>
+          <p:nvPr/>
+        </p:nvPicPr>
+        <p:blipFill>
+          <a:blip r:embed="rId4">
+            <a:extLst>
+              <a:ext uri="{28A0092B-C50C-407E-A947-70E740481C1C}">
+                <a14:useLocalDpi xmlns:a14="http://schemas.microsoft.com/office/drawing/2010/main" val="0"/>
+              </a:ext>
+            </a:extLst>
+          </a:blip>
+          <a:srcRect/>
+          <a:stretch>
+            <a:fillRect/>
+          </a:stretch>
+        </p:blipFill>
+        <p:spPr bwMode="auto">
+          <a:xfrm>
+            <a:off x="771551" y="1911501"/>
+            <a:ext cx="407697" cy="340898"/>
+          </a:xfrm>
+          <a:prstGeom prst="rect">
+            <a:avLst/>
+          </a:prstGeom>
+          <a:solidFill>
+            <a:schemeClr val="bg1"/>
+          </a:solidFill>
+        </p:spPr>
+      </p:pic>
     </p:spTree>
     <p:extLst>
       <p:ext uri="{BB962C8B-B14F-4D97-AF65-F5344CB8AC3E}">
-        <p14:creationId xmlns:p14="http://schemas.microsoft.com/office/powerpoint/2010/main" val="4196674456"/>
+        <p14:creationId xmlns:p14="http://schemas.microsoft.com/office/powerpoint/2010/main" val="2721224241"/>
       </p:ext>
     </p:extLst>
   </p:cSld>
@@ -12648,6 +12633,139 @@
 </file>
 
 <file path=ppt/slides/slide12.xml><?xml version="1.0" encoding="utf-8"?>
+<p:sld xmlns:a="http://schemas.openxmlformats.org/drawingml/2006/main" xmlns:r="http://schemas.openxmlformats.org/officeDocument/2006/relationships" xmlns:p="http://schemas.openxmlformats.org/presentationml/2006/main">
+  <p:cSld>
+    <p:spTree>
+      <p:nvGrpSpPr>
+        <p:cNvPr id="1" name=""/>
+        <p:cNvGrpSpPr/>
+        <p:nvPr/>
+      </p:nvGrpSpPr>
+      <p:grpSpPr>
+        <a:xfrm>
+          <a:off x="0" y="0"/>
+          <a:ext cx="0" cy="0"/>
+          <a:chOff x="0" y="0"/>
+          <a:chExt cx="0" cy="0"/>
+        </a:xfrm>
+      </p:grpSpPr>
+      <p:sp>
+        <p:nvSpPr>
+          <p:cNvPr id="2" name="Title 1"/>
+          <p:cNvSpPr>
+            <a:spLocks noGrp="1"/>
+          </p:cNvSpPr>
+          <p:nvPr>
+            <p:ph type="ctrTitle" idx="4294967295"/>
+          </p:nvPr>
+        </p:nvSpPr>
+        <p:spPr>
+          <a:xfrm>
+            <a:off x="0" y="0"/>
+            <a:ext cx="12192000" cy="840509"/>
+          </a:xfrm>
+          <a:solidFill>
+            <a:schemeClr val="bg1"/>
+          </a:solidFill>
+        </p:spPr>
+        <p:txBody>
+          <a:bodyPr/>
+          <a:lstStyle/>
+          <a:p>
+            <a:r>
+              <a:rPr lang="en-US" sz="4000" dirty="0">
+                <a:solidFill>
+                  <a:srgbClr val="0070C0"/>
+                </a:solidFill>
+                <a:latin typeface="Arial" panose="020B0604020202020204" pitchFamily="34" charset="0"/>
+                <a:cs typeface="Arial" panose="020B0604020202020204" pitchFamily="34" charset="0"/>
+              </a:rPr>
+              <a:t>Using Python and Azure ML Services</a:t>
+            </a:r>
+          </a:p>
+        </p:txBody>
+      </p:sp>
+      <p:pic>
+        <p:nvPicPr>
+          <p:cNvPr id="3" name="Picture 2">
+            <a:extLst>
+              <a:ext uri="{FF2B5EF4-FFF2-40B4-BE49-F238E27FC236}">
+                <a16:creationId xmlns:a16="http://schemas.microsoft.com/office/drawing/2014/main" id="{58CC0201-8F36-497D-B718-A024C95E7DB1}"/>
+              </a:ext>
+            </a:extLst>
+          </p:cNvPr>
+          <p:cNvPicPr>
+            <a:picLocks noChangeAspect="1"/>
+          </p:cNvPicPr>
+          <p:nvPr/>
+        </p:nvPicPr>
+        <p:blipFill>
+          <a:blip r:embed="rId3"/>
+          <a:stretch>
+            <a:fillRect/>
+          </a:stretch>
+        </p:blipFill>
+        <p:spPr>
+          <a:xfrm>
+            <a:off x="1053874" y="1372007"/>
+            <a:ext cx="10011737" cy="4575947"/>
+          </a:xfrm>
+          <a:prstGeom prst="rect">
+            <a:avLst/>
+          </a:prstGeom>
+        </p:spPr>
+      </p:pic>
+      <p:sp>
+        <p:nvSpPr>
+          <p:cNvPr id="5" name="Rectangle 4">
+            <a:extLst>
+              <a:ext uri="{FF2B5EF4-FFF2-40B4-BE49-F238E27FC236}">
+                <a16:creationId xmlns:a16="http://schemas.microsoft.com/office/drawing/2014/main" id="{8FBEF74A-C920-4B9B-B449-4D60C618CE5F}"/>
+              </a:ext>
+            </a:extLst>
+          </p:cNvPr>
+          <p:cNvSpPr/>
+          <p:nvPr/>
+        </p:nvSpPr>
+        <p:spPr>
+          <a:xfrm>
+            <a:off x="1663337" y="6199829"/>
+            <a:ext cx="9710057" cy="369332"/>
+          </a:xfrm>
+          <a:prstGeom prst="rect">
+            <a:avLst/>
+          </a:prstGeom>
+        </p:spPr>
+        <p:txBody>
+          <a:bodyPr wrap="square">
+            <a:spAutoFit/>
+          </a:bodyPr>
+          <a:lstStyle/>
+          <a:p>
+            <a:r>
+              <a:rPr lang="en-US" dirty="0">
+                <a:hlinkClick r:id="rId4"/>
+              </a:rPr>
+              <a:t>https://docs.microsoft.com/en-us/python/api/overview/azure/ml/intro?view=azure-ml-py</a:t>
+            </a:r>
+            <a:endParaRPr lang="en-US" dirty="0"/>
+          </a:p>
+        </p:txBody>
+      </p:sp>
+    </p:spTree>
+    <p:extLst>
+      <p:ext uri="{BB962C8B-B14F-4D97-AF65-F5344CB8AC3E}">
+        <p14:creationId xmlns:p14="http://schemas.microsoft.com/office/powerpoint/2010/main" val="3151552495"/>
+      </p:ext>
+    </p:extLst>
+  </p:cSld>
+  <p:clrMapOvr>
+    <a:masterClrMapping/>
+  </p:clrMapOvr>
+</p:sld>
+</file>
+
+<file path=ppt/slides/slide13.xml><?xml version="1.0" encoding="utf-8"?>
 <p:sld xmlns:a="http://schemas.openxmlformats.org/drawingml/2006/main" xmlns:r="http://schemas.openxmlformats.org/officeDocument/2006/relationships" xmlns:p="http://schemas.openxmlformats.org/presentationml/2006/main">
   <p:cSld>
     <p:spTree>
@@ -12739,7 +12857,7 @@
 </p:sld>
 </file>
 
-<file path=ppt/slides/slide13.xml><?xml version="1.0" encoding="utf-8"?>
+<file path=ppt/slides/slide14.xml><?xml version="1.0" encoding="utf-8"?>
 <p:sld xmlns:a="http://schemas.openxmlformats.org/drawingml/2006/main" xmlns:r="http://schemas.openxmlformats.org/officeDocument/2006/relationships" xmlns:p="http://schemas.openxmlformats.org/presentationml/2006/main" show="0">
   <p:cSld>
     <p:spTree>
@@ -14234,7 +14352,7 @@
 </p:sld>
 </file>
 
-<file path=ppt/slides/slide14.xml><?xml version="1.0" encoding="utf-8"?>
+<file path=ppt/slides/slide15.xml><?xml version="1.0" encoding="utf-8"?>
 <p:sld xmlns:a="http://schemas.openxmlformats.org/drawingml/2006/main" xmlns:r="http://schemas.openxmlformats.org/officeDocument/2006/relationships" xmlns:p="http://schemas.openxmlformats.org/presentationml/2006/main">
   <p:cSld>
     <p:spTree>
@@ -14326,7 +14444,7 @@
 </p:sld>
 </file>
 
-<file path=ppt/slides/slide15.xml><?xml version="1.0" encoding="utf-8"?>
+<file path=ppt/slides/slide16.xml><?xml version="1.0" encoding="utf-8"?>
 <p:sld xmlns:a="http://schemas.openxmlformats.org/drawingml/2006/main" xmlns:r="http://schemas.openxmlformats.org/officeDocument/2006/relationships" xmlns:p="http://schemas.openxmlformats.org/presentationml/2006/main">
   <p:cSld>
     <p:spTree>
@@ -48239,7 +48357,7 @@
 </p:sld>
 </file>
 
-<file path=ppt/slides/slide16.xml><?xml version="1.0" encoding="utf-8"?>
+<file path=ppt/slides/slide17.xml><?xml version="1.0" encoding="utf-8"?>
 <p:sld xmlns:a="http://schemas.openxmlformats.org/drawingml/2006/main" xmlns:r="http://schemas.openxmlformats.org/officeDocument/2006/relationships" xmlns:p="http://schemas.openxmlformats.org/presentationml/2006/main">
   <p:cSld>
     <p:spTree>
@@ -48349,7 +48467,7 @@
 </p:sld>
 </file>
 
-<file path=ppt/slides/slide17.xml><?xml version="1.0" encoding="utf-8"?>
+<file path=ppt/slides/slide18.xml><?xml version="1.0" encoding="utf-8"?>
 <p:sld xmlns:a="http://schemas.openxmlformats.org/drawingml/2006/main" xmlns:r="http://schemas.openxmlformats.org/officeDocument/2006/relationships" xmlns:p="http://schemas.openxmlformats.org/presentationml/2006/main">
   <p:cSld>
     <p:spTree>
@@ -48742,7 +48860,7 @@
 </p:sld>
 </file>
 
-<file path=ppt/slides/slide18.xml><?xml version="1.0" encoding="utf-8"?>
+<file path=ppt/slides/slide19.xml><?xml version="1.0" encoding="utf-8"?>
 <p:sld xmlns:a="http://schemas.openxmlformats.org/drawingml/2006/main" xmlns:r="http://schemas.openxmlformats.org/officeDocument/2006/relationships" xmlns:p="http://schemas.openxmlformats.org/presentationml/2006/main">
   <p:cSld>
     <p:spTree>
@@ -48890,97 +49008,6 @@
     <p:extLst>
       <p:ext uri="{BB962C8B-B14F-4D97-AF65-F5344CB8AC3E}">
         <p14:creationId xmlns:p14="http://schemas.microsoft.com/office/powerpoint/2010/main" val="2450710815"/>
-      </p:ext>
-    </p:extLst>
-  </p:cSld>
-  <p:clrMapOvr>
-    <a:masterClrMapping/>
-  </p:clrMapOvr>
-</p:sld>
-</file>
-
-<file path=ppt/slides/slide19.xml><?xml version="1.0" encoding="utf-8"?>
-<p:sld xmlns:a="http://schemas.openxmlformats.org/drawingml/2006/main" xmlns:r="http://schemas.openxmlformats.org/officeDocument/2006/relationships" xmlns:p="http://schemas.openxmlformats.org/presentationml/2006/main">
-  <p:cSld>
-    <p:spTree>
-      <p:nvGrpSpPr>
-        <p:cNvPr id="1" name=""/>
-        <p:cNvGrpSpPr/>
-        <p:nvPr/>
-      </p:nvGrpSpPr>
-      <p:grpSpPr>
-        <a:xfrm>
-          <a:off x="0" y="0"/>
-          <a:ext cx="0" cy="0"/>
-          <a:chOff x="0" y="0"/>
-          <a:chExt cx="0" cy="0"/>
-        </a:xfrm>
-      </p:grpSpPr>
-      <p:sp>
-        <p:nvSpPr>
-          <p:cNvPr id="2" name="Title 1"/>
-          <p:cNvSpPr>
-            <a:spLocks noGrp="1"/>
-          </p:cNvSpPr>
-          <p:nvPr>
-            <p:ph type="ctrTitle" idx="4294967295"/>
-          </p:nvPr>
-        </p:nvSpPr>
-        <p:spPr>
-          <a:xfrm>
-            <a:off x="142419" y="27381"/>
-            <a:ext cx="8824913" cy="1053687"/>
-          </a:xfrm>
-        </p:spPr>
-        <p:txBody>
-          <a:bodyPr/>
-          <a:lstStyle/>
-          <a:p>
-            <a:r>
-              <a:rPr lang="en-US" sz="4400" dirty="0">
-                <a:solidFill>
-                  <a:srgbClr val="0070C0"/>
-                </a:solidFill>
-              </a:rPr>
-              <a:t>HDInsight</a:t>
-            </a:r>
-          </a:p>
-        </p:txBody>
-      </p:sp>
-      <p:pic>
-        <p:nvPicPr>
-          <p:cNvPr id="3" name="Picture 2">
-            <a:extLst>
-              <a:ext uri="{FF2B5EF4-FFF2-40B4-BE49-F238E27FC236}">
-                <a16:creationId xmlns:a16="http://schemas.microsoft.com/office/drawing/2014/main" id="{90825540-65C6-4C2B-81FF-0260A6849354}"/>
-              </a:ext>
-            </a:extLst>
-          </p:cNvPr>
-          <p:cNvPicPr>
-            <a:picLocks noChangeAspect="1"/>
-          </p:cNvPicPr>
-          <p:nvPr/>
-        </p:nvPicPr>
-        <p:blipFill>
-          <a:blip r:embed="rId3"/>
-          <a:stretch>
-            <a:fillRect/>
-          </a:stretch>
-        </p:blipFill>
-        <p:spPr>
-          <a:xfrm>
-            <a:off x="3724544" y="2527931"/>
-            <a:ext cx="4450987" cy="2123004"/>
-          </a:xfrm>
-          <a:prstGeom prst="rect">
-            <a:avLst/>
-          </a:prstGeom>
-        </p:spPr>
-      </p:pic>
-    </p:spTree>
-    <p:extLst>
-      <p:ext uri="{BB962C8B-B14F-4D97-AF65-F5344CB8AC3E}">
-        <p14:creationId xmlns:p14="http://schemas.microsoft.com/office/powerpoint/2010/main" val="3869112777"/>
       </p:ext>
     </p:extLst>
   </p:cSld>
@@ -49505,6 +49532,97 @@
             <a:r>
               <a:rPr lang="en-US" sz="4400" dirty="0">
                 <a:solidFill>
+                  <a:srgbClr val="0070C0"/>
+                </a:solidFill>
+              </a:rPr>
+              <a:t>HDInsight</a:t>
+            </a:r>
+          </a:p>
+        </p:txBody>
+      </p:sp>
+      <p:pic>
+        <p:nvPicPr>
+          <p:cNvPr id="3" name="Picture 2">
+            <a:extLst>
+              <a:ext uri="{FF2B5EF4-FFF2-40B4-BE49-F238E27FC236}">
+                <a16:creationId xmlns:a16="http://schemas.microsoft.com/office/drawing/2014/main" id="{90825540-65C6-4C2B-81FF-0260A6849354}"/>
+              </a:ext>
+            </a:extLst>
+          </p:cNvPr>
+          <p:cNvPicPr>
+            <a:picLocks noChangeAspect="1"/>
+          </p:cNvPicPr>
+          <p:nvPr/>
+        </p:nvPicPr>
+        <p:blipFill>
+          <a:blip r:embed="rId3"/>
+          <a:stretch>
+            <a:fillRect/>
+          </a:stretch>
+        </p:blipFill>
+        <p:spPr>
+          <a:xfrm>
+            <a:off x="3724544" y="2527931"/>
+            <a:ext cx="4450987" cy="2123004"/>
+          </a:xfrm>
+          <a:prstGeom prst="rect">
+            <a:avLst/>
+          </a:prstGeom>
+        </p:spPr>
+      </p:pic>
+    </p:spTree>
+    <p:extLst>
+      <p:ext uri="{BB962C8B-B14F-4D97-AF65-F5344CB8AC3E}">
+        <p14:creationId xmlns:p14="http://schemas.microsoft.com/office/powerpoint/2010/main" val="3869112777"/>
+      </p:ext>
+    </p:extLst>
+  </p:cSld>
+  <p:clrMapOvr>
+    <a:masterClrMapping/>
+  </p:clrMapOvr>
+</p:sld>
+</file>
+
+<file path=ppt/slides/slide21.xml><?xml version="1.0" encoding="utf-8"?>
+<p:sld xmlns:a="http://schemas.openxmlformats.org/drawingml/2006/main" xmlns:r="http://schemas.openxmlformats.org/officeDocument/2006/relationships" xmlns:p="http://schemas.openxmlformats.org/presentationml/2006/main">
+  <p:cSld>
+    <p:spTree>
+      <p:nvGrpSpPr>
+        <p:cNvPr id="1" name=""/>
+        <p:cNvGrpSpPr/>
+        <p:nvPr/>
+      </p:nvGrpSpPr>
+      <p:grpSpPr>
+        <a:xfrm>
+          <a:off x="0" y="0"/>
+          <a:ext cx="0" cy="0"/>
+          <a:chOff x="0" y="0"/>
+          <a:chExt cx="0" cy="0"/>
+        </a:xfrm>
+      </p:grpSpPr>
+      <p:sp>
+        <p:nvSpPr>
+          <p:cNvPr id="2" name="Title 1"/>
+          <p:cNvSpPr>
+            <a:spLocks noGrp="1"/>
+          </p:cNvSpPr>
+          <p:nvPr>
+            <p:ph type="ctrTitle" idx="4294967295"/>
+          </p:nvPr>
+        </p:nvSpPr>
+        <p:spPr>
+          <a:xfrm>
+            <a:off x="142419" y="27381"/>
+            <a:ext cx="8824913" cy="1053687"/>
+          </a:xfrm>
+        </p:spPr>
+        <p:txBody>
+          <a:bodyPr/>
+          <a:lstStyle/>
+          <a:p>
+            <a:r>
+              <a:rPr lang="en-US" sz="4400" dirty="0">
+                <a:solidFill>
                   <a:schemeClr val="tx1"/>
                 </a:solidFill>
                 <a:latin typeface="Calisto MT" panose="02040603050505030304" pitchFamily="18" charset="0"/>
@@ -49594,7 +49712,7 @@
 </p:sld>
 </file>
 
-<file path=ppt/slides/slide21.xml><?xml version="1.0" encoding="utf-8"?>
+<file path=ppt/slides/slide22.xml><?xml version="1.0" encoding="utf-8"?>
 <p:sld xmlns:a="http://schemas.openxmlformats.org/drawingml/2006/main" xmlns:r="http://schemas.openxmlformats.org/officeDocument/2006/relationships" xmlns:p="http://schemas.openxmlformats.org/presentationml/2006/main">
   <p:cSld>
     <p:spTree>
@@ -50157,7 +50275,7 @@
 </p:sld>
 </file>
 
-<file path=ppt/slides/slide22.xml><?xml version="1.0" encoding="utf-8"?>
+<file path=ppt/slides/slide23.xml><?xml version="1.0" encoding="utf-8"?>
 <p:sld xmlns:a="http://schemas.openxmlformats.org/drawingml/2006/main" xmlns:r="http://schemas.openxmlformats.org/officeDocument/2006/relationships" xmlns:p="http://schemas.openxmlformats.org/presentationml/2006/main">
   <p:cSld>
     <p:spTree>
@@ -50305,7 +50423,7 @@
 </p:sld>
 </file>
 
-<file path=ppt/slides/slide23.xml><?xml version="1.0" encoding="utf-8"?>
+<file path=ppt/slides/slide24.xml><?xml version="1.0" encoding="utf-8"?>
 <p:sld xmlns:a="http://schemas.openxmlformats.org/drawingml/2006/main" xmlns:r="http://schemas.openxmlformats.org/officeDocument/2006/relationships" xmlns:p="http://schemas.openxmlformats.org/presentationml/2006/main">
   <p:cSld>
     <p:spTree>
@@ -50397,7 +50515,7 @@
 </p:sld>
 </file>
 
-<file path=ppt/slides/slide24.xml><?xml version="1.0" encoding="utf-8"?>
+<file path=ppt/slides/slide25.xml><?xml version="1.0" encoding="utf-8"?>
 <p:sld xmlns:a="http://schemas.openxmlformats.org/drawingml/2006/main" xmlns:r="http://schemas.openxmlformats.org/officeDocument/2006/relationships" xmlns:p="http://schemas.openxmlformats.org/presentationml/2006/main">
   <p:cSld>
     <p:spTree>
@@ -50614,7 +50732,7 @@
 </p:sld>
 </file>
 
-<file path=ppt/slides/slide25.xml><?xml version="1.0" encoding="utf-8"?>
+<file path=ppt/slides/slide26.xml><?xml version="1.0" encoding="utf-8"?>
 <p:sld xmlns:a="http://schemas.openxmlformats.org/drawingml/2006/main" xmlns:r="http://schemas.openxmlformats.org/officeDocument/2006/relationships" xmlns:p="http://schemas.openxmlformats.org/presentationml/2006/main" show="0">
   <p:cSld>
     <p:spTree>
@@ -50913,7 +51031,7 @@
 </p:sld>
 </file>
 
-<file path=ppt/slides/slide26.xml><?xml version="1.0" encoding="utf-8"?>
+<file path=ppt/slides/slide27.xml><?xml version="1.0" encoding="utf-8"?>
 <p:sld xmlns:a="http://schemas.openxmlformats.org/drawingml/2006/main" xmlns:r="http://schemas.openxmlformats.org/officeDocument/2006/relationships" xmlns:p="http://schemas.openxmlformats.org/presentationml/2006/main">
   <p:cSld>
     <p:spTree>
